--- a/MLAI mini project.pptx
+++ b/MLAI mini project.pptx
@@ -21,8 +21,11 @@
     <p:sldId id="266" r:id="rId15"/>
     <p:sldId id="278" r:id="rId16"/>
     <p:sldId id="273" r:id="rId17"/>
-    <p:sldId id="261" r:id="rId18"/>
-    <p:sldId id="257" r:id="rId19"/>
+    <p:sldId id="280" r:id="rId18"/>
+    <p:sldId id="279" r:id="rId19"/>
+    <p:sldId id="281" r:id="rId20"/>
+    <p:sldId id="261" r:id="rId21"/>
+    <p:sldId id="257" r:id="rId22"/>
   </p:sldIdLst>
   <p:sldSz cx="12192000" cy="6858000"/>
   <p:notesSz cx="6858000" cy="9144000"/>
@@ -278,7 +281,7 @@
           <a:p>
             <a:fld id="{A2872D0C-785B-4C85-98CF-0770683F3808}" type="datetimeFigureOut">
               <a:rPr lang="en-SG" smtClean="0"/>
-              <a:t>28/6/2021</a:t>
+              <a:t>2/7/2021</a:t>
             </a:fld>
             <a:endParaRPr lang="en-SG"/>
           </a:p>
@@ -478,7 +481,7 @@
           <a:p>
             <a:fld id="{A2872D0C-785B-4C85-98CF-0770683F3808}" type="datetimeFigureOut">
               <a:rPr lang="en-SG" smtClean="0"/>
-              <a:t>28/6/2021</a:t>
+              <a:t>2/7/2021</a:t>
             </a:fld>
             <a:endParaRPr lang="en-SG"/>
           </a:p>
@@ -688,7 +691,7 @@
           <a:p>
             <a:fld id="{A2872D0C-785B-4C85-98CF-0770683F3808}" type="datetimeFigureOut">
               <a:rPr lang="en-SG" smtClean="0"/>
-              <a:t>28/6/2021</a:t>
+              <a:t>2/7/2021</a:t>
             </a:fld>
             <a:endParaRPr lang="en-SG"/>
           </a:p>
@@ -888,7 +891,7 @@
           <a:p>
             <a:fld id="{A2872D0C-785B-4C85-98CF-0770683F3808}" type="datetimeFigureOut">
               <a:rPr lang="en-SG" smtClean="0"/>
-              <a:t>28/6/2021</a:t>
+              <a:t>2/7/2021</a:t>
             </a:fld>
             <a:endParaRPr lang="en-SG"/>
           </a:p>
@@ -1164,7 +1167,7 @@
           <a:p>
             <a:fld id="{A2872D0C-785B-4C85-98CF-0770683F3808}" type="datetimeFigureOut">
               <a:rPr lang="en-SG" smtClean="0"/>
-              <a:t>28/6/2021</a:t>
+              <a:t>2/7/2021</a:t>
             </a:fld>
             <a:endParaRPr lang="en-SG"/>
           </a:p>
@@ -1432,7 +1435,7 @@
           <a:p>
             <a:fld id="{A2872D0C-785B-4C85-98CF-0770683F3808}" type="datetimeFigureOut">
               <a:rPr lang="en-SG" smtClean="0"/>
-              <a:t>28/6/2021</a:t>
+              <a:t>2/7/2021</a:t>
             </a:fld>
             <a:endParaRPr lang="en-SG"/>
           </a:p>
@@ -1847,7 +1850,7 @@
           <a:p>
             <a:fld id="{A2872D0C-785B-4C85-98CF-0770683F3808}" type="datetimeFigureOut">
               <a:rPr lang="en-SG" smtClean="0"/>
-              <a:t>28/6/2021</a:t>
+              <a:t>2/7/2021</a:t>
             </a:fld>
             <a:endParaRPr lang="en-SG"/>
           </a:p>
@@ -1989,7 +1992,7 @@
           <a:p>
             <a:fld id="{A2872D0C-785B-4C85-98CF-0770683F3808}" type="datetimeFigureOut">
               <a:rPr lang="en-SG" smtClean="0"/>
-              <a:t>28/6/2021</a:t>
+              <a:t>2/7/2021</a:t>
             </a:fld>
             <a:endParaRPr lang="en-SG"/>
           </a:p>
@@ -2102,7 +2105,7 @@
           <a:p>
             <a:fld id="{A2872D0C-785B-4C85-98CF-0770683F3808}" type="datetimeFigureOut">
               <a:rPr lang="en-SG" smtClean="0"/>
-              <a:t>28/6/2021</a:t>
+              <a:t>2/7/2021</a:t>
             </a:fld>
             <a:endParaRPr lang="en-SG"/>
           </a:p>
@@ -2415,7 +2418,7 @@
           <a:p>
             <a:fld id="{A2872D0C-785B-4C85-98CF-0770683F3808}" type="datetimeFigureOut">
               <a:rPr lang="en-SG" smtClean="0"/>
-              <a:t>28/6/2021</a:t>
+              <a:t>2/7/2021</a:t>
             </a:fld>
             <a:endParaRPr lang="en-SG"/>
           </a:p>
@@ -2704,7 +2707,7 @@
           <a:p>
             <a:fld id="{A2872D0C-785B-4C85-98CF-0770683F3808}" type="datetimeFigureOut">
               <a:rPr lang="en-SG" smtClean="0"/>
-              <a:t>28/6/2021</a:t>
+              <a:t>2/7/2021</a:t>
             </a:fld>
             <a:endParaRPr lang="en-SG"/>
           </a:p>
@@ -2947,7 +2950,7 @@
           <a:p>
             <a:fld id="{A2872D0C-785B-4C85-98CF-0770683F3808}" type="datetimeFigureOut">
               <a:rPr lang="en-SG" smtClean="0"/>
-              <a:t>28/6/2021</a:t>
+              <a:t>2/7/2021</a:t>
             </a:fld>
             <a:endParaRPr lang="en-SG"/>
           </a:p>
@@ -5849,7 +5852,7 @@
             <a:pPr algn="ctr"/>
             <a:r>
               <a:rPr lang="en-SG" altLang="zh-CN" dirty="0"/>
-              <a:t>CVA345</a:t>
+              <a:t>ADT345</a:t>
             </a:r>
             <a:endParaRPr lang="en-SG" dirty="0"/>
           </a:p>
@@ -5857,10 +5860,10 @@
       </p:sp>
       <p:sp>
         <p:nvSpPr>
-          <p:cNvPr id="14" name="TextBox 13">
-            <a:extLst>
-              <a:ext uri="{FF2B5EF4-FFF2-40B4-BE49-F238E27FC236}">
-                <a16:creationId xmlns:a16="http://schemas.microsoft.com/office/drawing/2014/main" id="{B76EB0D5-93D8-42F0-99CA-7C40B8CFE548}"/>
+          <p:cNvPr id="7" name="TextBox 6">
+            <a:extLst>
+              <a:ext uri="{FF2B5EF4-FFF2-40B4-BE49-F238E27FC236}">
+                <a16:creationId xmlns:a16="http://schemas.microsoft.com/office/drawing/2014/main" id="{06E95861-D511-43D0-8102-C7AA5A8BEE4F}"/>
               </a:ext>
             </a:extLst>
           </p:cNvPr>
@@ -5869,8 +5872,8 @@
         </p:nvSpPr>
         <p:spPr>
           <a:xfrm>
-            <a:off x="7378438" y="1510017"/>
-            <a:ext cx="4662135" cy="646331"/>
+            <a:off x="6280726" y="1510017"/>
+            <a:ext cx="5073073" cy="1754326"/>
           </a:xfrm>
           <a:prstGeom prst="rect">
             <a:avLst/>
@@ -5885,126 +5888,56 @@
           <a:p>
             <a:r>
               <a:rPr lang="en-SG" dirty="0"/>
-              <a:t>CN345</a:t>
-            </a:r>
-            <a:r>
-              <a:rPr lang="en-US" altLang="zh-CN" dirty="0"/>
-              <a:t> </a:t>
-            </a:r>
-            <a:r>
-              <a:rPr lang="zh-CN" altLang="en-US" dirty="0">
-                <a:latin typeface="+mn-lt"/>
-              </a:rPr>
-              <a:t>希薇娅</a:t>
-            </a:r>
-            <a:r>
-              <a:rPr lang="en-SG" altLang="zh-CN" dirty="0">
-                <a:latin typeface="+mn-lt"/>
-              </a:rPr>
-              <a:t>(CIVIA) is based on RPS  and serves as a control setup</a:t>
-            </a:r>
+              <a:t>This is a normalized confusion matrix for ADT345</a:t>
+            </a:r>
+          </a:p>
+          <a:p>
             <a:endParaRPr lang="en-SG" dirty="0"/>
           </a:p>
-        </p:txBody>
-      </p:sp>
-      <p:sp>
-        <p:nvSpPr>
-          <p:cNvPr id="15" name="TextBox 14">
-            <a:extLst>
-              <a:ext uri="{FF2B5EF4-FFF2-40B4-BE49-F238E27FC236}">
-                <a16:creationId xmlns:a16="http://schemas.microsoft.com/office/drawing/2014/main" id="{93486E9D-9CE4-4333-8AAD-DEA998081BB4}"/>
-              </a:ext>
-            </a:extLst>
-          </p:cNvPr>
-          <p:cNvSpPr txBox="1"/>
-          <p:nvPr/>
-        </p:nvSpPr>
-        <p:spPr>
-          <a:xfrm>
-            <a:off x="7452637" y="5347983"/>
-            <a:ext cx="4587936" cy="369332"/>
-          </a:xfrm>
-          <a:prstGeom prst="rect">
-            <a:avLst/>
-          </a:prstGeom>
-          <a:noFill/>
-        </p:spPr>
-        <p:txBody>
-          <a:bodyPr wrap="square" rtlCol="0">
-            <a:spAutoFit/>
-          </a:bodyPr>
-          <a:lstStyle/>
           <a:p>
             <a:r>
               <a:rPr lang="en-SG" dirty="0"/>
-              <a:t>CN345</a:t>
-            </a:r>
-            <a:r>
-              <a:rPr lang="en-US" altLang="zh-CN" dirty="0"/>
-              <a:t> </a:t>
-            </a:r>
-            <a:r>
-              <a:rPr lang="en-SG" altLang="zh-CN" dirty="0"/>
-              <a:t>uses </a:t>
-            </a:r>
-            <a:r>
-              <a:rPr lang="en-SG" altLang="zh-CN" dirty="0" err="1"/>
-              <a:t>dataset_CVA</a:t>
-            </a:r>
+              <a:t>(xi </a:t>
+            </a:r>
+            <a:r>
+              <a:rPr lang="en-SG" dirty="0" err="1"/>
+              <a:t>quan</a:t>
+            </a:r>
+            <a:r>
+              <a:rPr lang="en-SG" dirty="0"/>
+              <a:t> you add </a:t>
+            </a:r>
+            <a:r>
+              <a:rPr lang="en-SG" dirty="0" err="1"/>
+              <a:t>ur</a:t>
+            </a:r>
+            <a:r>
+              <a:rPr lang="en-SG" dirty="0"/>
+              <a:t> notes here) </a:t>
+            </a:r>
+          </a:p>
+          <a:p>
             <a:endParaRPr lang="en-SG" dirty="0"/>
           </a:p>
-        </p:txBody>
-      </p:sp>
-      <p:sp>
-        <p:nvSpPr>
-          <p:cNvPr id="11" name="TextBox 10">
-            <a:extLst>
-              <a:ext uri="{FF2B5EF4-FFF2-40B4-BE49-F238E27FC236}">
-                <a16:creationId xmlns:a16="http://schemas.microsoft.com/office/drawing/2014/main" id="{9CF4288E-3113-4B20-B541-685C1B7D6A00}"/>
-              </a:ext>
-            </a:extLst>
-          </p:cNvPr>
-          <p:cNvSpPr txBox="1"/>
-          <p:nvPr/>
-        </p:nvSpPr>
-        <p:spPr>
-          <a:xfrm>
-            <a:off x="7415537" y="2564122"/>
-            <a:ext cx="4587936" cy="2031325"/>
-          </a:xfrm>
-          <a:prstGeom prst="rect">
-            <a:avLst/>
-          </a:prstGeom>
-          <a:noFill/>
-        </p:spPr>
-        <p:txBody>
-          <a:bodyPr wrap="square">
-            <a:spAutoFit/>
-          </a:bodyPr>
-          <a:lstStyle/>
           <a:p>
             <a:r>
               <a:rPr lang="en-SG" dirty="0"/>
-              <a:t>Based on the graphs, there is no sign of overfitting and the accuracy of validation and training do not have a wide gap.</a:t>
-            </a:r>
-          </a:p>
-          <a:p>
+              <a:t>Higher number equals to better prediction for that </a:t>
+            </a:r>
+            <a:r>
+              <a:rPr lang="en-SG" dirty="0" err="1"/>
+              <a:t>handsign</a:t>
+            </a:r>
             <a:endParaRPr lang="en-SG" dirty="0"/>
-          </a:p>
-          <a:p>
-            <a:r>
-              <a:rPr lang="en-SG" dirty="0"/>
-              <a:t>Because of how stable it is, it is used as a control setup, to be referenced with when facing issues with the other variants.</a:t>
-            </a:r>
           </a:p>
         </p:txBody>
       </p:sp>
       <p:pic>
         <p:nvPicPr>
-          <p:cNvPr id="4" name="Picture 3">
-            <a:extLst>
-              <a:ext uri="{FF2B5EF4-FFF2-40B4-BE49-F238E27FC236}">
-                <a16:creationId xmlns:a16="http://schemas.microsoft.com/office/drawing/2014/main" id="{A2584577-2BD7-41B1-A3A0-FC4F9A441679}"/>
+          <p:cNvPr id="16" name="Picture 15">
+            <a:extLst>
+              <a:ext uri="{FF2B5EF4-FFF2-40B4-BE49-F238E27FC236}">
+                <a16:creationId xmlns:a16="http://schemas.microsoft.com/office/drawing/2014/main" id="{8552C0B6-D007-4FA7-9FC4-B50726A96864}"/>
               </a:ext>
             </a:extLst>
           </p:cNvPr>
@@ -6021,8 +5954,8 @@
         </p:blipFill>
         <p:spPr>
           <a:xfrm>
-            <a:off x="838200" y="1403812"/>
-            <a:ext cx="5257800" cy="4614308"/>
+            <a:off x="0" y="1303715"/>
+            <a:ext cx="6328862" cy="5554285"/>
           </a:xfrm>
           <a:prstGeom prst="rect">
             <a:avLst/>
@@ -6064,7 +5997,7 @@
           <p:cNvPr id="2" name="Title 1">
             <a:extLst>
               <a:ext uri="{FF2B5EF4-FFF2-40B4-BE49-F238E27FC236}">
-                <a16:creationId xmlns:a16="http://schemas.microsoft.com/office/drawing/2014/main" id="{63C1A0F5-E740-4012-9770-55C5815B50C9}"/>
+                <a16:creationId xmlns:a16="http://schemas.microsoft.com/office/drawing/2014/main" id="{A7DA3BAE-6D02-46EC-8BEC-1C6B46594D4C}"/>
               </a:ext>
             </a:extLst>
           </p:cNvPr>
@@ -6075,51 +6008,619 @@
             <p:ph type="title"/>
           </p:nvPr>
         </p:nvSpPr>
-        <p:spPr/>
+        <p:spPr>
+          <a:xfrm>
+            <a:off x="838200" y="78249"/>
+            <a:ext cx="10515600" cy="1325563"/>
+          </a:xfrm>
+        </p:spPr>
         <p:txBody>
           <a:bodyPr/>
           <a:lstStyle/>
           <a:p>
-            <a:r>
-              <a:rPr lang="en-SG" dirty="0"/>
-              <a:t>Evaluation</a:t>
-            </a:r>
-          </a:p>
-        </p:txBody>
-      </p:sp>
-      <p:pic>
-        <p:nvPicPr>
-          <p:cNvPr id="5" name="Content Placeholder 4">
-            <a:extLst>
-              <a:ext uri="{FF2B5EF4-FFF2-40B4-BE49-F238E27FC236}">
-                <a16:creationId xmlns:a16="http://schemas.microsoft.com/office/drawing/2014/main" id="{BE740CF3-8F09-4081-B91E-9CD98F7CED63}"/>
-              </a:ext>
-            </a:extLst>
-          </p:cNvPr>
-          <p:cNvPicPr>
-            <a:picLocks noGrp="1" noChangeAspect="1"/>
-          </p:cNvPicPr>
+            <a:pPr algn="ctr"/>
+            <a:r>
+              <a:rPr lang="en-SG" altLang="zh-CN" dirty="0"/>
+              <a:t>ADT345</a:t>
+            </a:r>
+            <a:endParaRPr lang="en-SG" dirty="0"/>
+          </a:p>
+        </p:txBody>
+      </p:sp>
+      <p:graphicFrame>
+        <p:nvGraphicFramePr>
+          <p:cNvPr id="5" name="Table 5">
+            <a:extLst>
+              <a:ext uri="{FF2B5EF4-FFF2-40B4-BE49-F238E27FC236}">
+                <a16:creationId xmlns:a16="http://schemas.microsoft.com/office/drawing/2014/main" id="{FEC89924-C2DF-430D-9EDD-5936D91999B9}"/>
+              </a:ext>
+            </a:extLst>
+          </p:cNvPr>
+          <p:cNvGraphicFramePr>
+            <a:graphicFrameLocks noGrp="1"/>
+          </p:cNvGraphicFramePr>
           <p:nvPr>
-            <p:ph idx="1"/>
+            <p:extLst>
+              <p:ext uri="{D42A27DB-BD31-4B8C-83A1-F6EECF244321}">
+                <p14:modId xmlns:p14="http://schemas.microsoft.com/office/powerpoint/2010/main" val="1390796231"/>
+              </p:ext>
+            </p:extLst>
           </p:nvPr>
-        </p:nvPicPr>
-        <p:blipFill>
-          <a:blip r:embed="rId2"/>
-          <a:stretch>
-            <a:fillRect/>
-          </a:stretch>
-        </p:blipFill>
-        <p:spPr>
-          <a:xfrm>
-            <a:off x="0" y="3376432"/>
-            <a:ext cx="4371988" cy="3116443"/>
-          </a:xfrm>
-        </p:spPr>
-      </p:pic>
+        </p:nvGraphicFramePr>
+        <p:xfrm>
+          <a:off x="785769" y="1403812"/>
+          <a:ext cx="5310231" cy="2585720"/>
+        </p:xfrm>
+        <a:graphic>
+          <a:graphicData uri="http://schemas.openxmlformats.org/drawingml/2006/table">
+            <a:tbl>
+              <a:tblPr firstRow="1" bandRow="1">
+                <a:tableStyleId>{5C22544A-7EE6-4342-B048-85BDC9FD1C3A}</a:tableStyleId>
+              </a:tblPr>
+              <a:tblGrid>
+                <a:gridCol w="1459311">
+                  <a:extLst>
+                    <a:ext uri="{9D8B030D-6E8A-4147-A177-3AD203B41FA5}">
+                      <a16:colId xmlns:a16="http://schemas.microsoft.com/office/drawing/2014/main" val="1273551596"/>
+                    </a:ext>
+                  </a:extLst>
+                </a:gridCol>
+                <a:gridCol w="1048997">
+                  <a:extLst>
+                    <a:ext uri="{9D8B030D-6E8A-4147-A177-3AD203B41FA5}">
+                      <a16:colId xmlns:a16="http://schemas.microsoft.com/office/drawing/2014/main" val="1669163872"/>
+                    </a:ext>
+                  </a:extLst>
+                </a:gridCol>
+                <a:gridCol w="897622">
+                  <a:extLst>
+                    <a:ext uri="{9D8B030D-6E8A-4147-A177-3AD203B41FA5}">
+                      <a16:colId xmlns:a16="http://schemas.microsoft.com/office/drawing/2014/main" val="2392927582"/>
+                    </a:ext>
+                  </a:extLst>
+                </a:gridCol>
+                <a:gridCol w="947956">
+                  <a:extLst>
+                    <a:ext uri="{9D8B030D-6E8A-4147-A177-3AD203B41FA5}">
+                      <a16:colId xmlns:a16="http://schemas.microsoft.com/office/drawing/2014/main" val="537605220"/>
+                    </a:ext>
+                  </a:extLst>
+                </a:gridCol>
+                <a:gridCol w="956345">
+                  <a:extLst>
+                    <a:ext uri="{9D8B030D-6E8A-4147-A177-3AD203B41FA5}">
+                      <a16:colId xmlns:a16="http://schemas.microsoft.com/office/drawing/2014/main" val="2426565742"/>
+                    </a:ext>
+                  </a:extLst>
+                </a:gridCol>
+              </a:tblGrid>
+              <a:tr h="354576">
+                <a:tc>
+                  <a:txBody>
+                    <a:bodyPr/>
+                    <a:lstStyle/>
+                    <a:p>
+                      <a:endParaRPr lang="en-SG" dirty="0"/>
+                    </a:p>
+                  </a:txBody>
+                  <a:tcPr/>
+                </a:tc>
+                <a:tc>
+                  <a:txBody>
+                    <a:bodyPr/>
+                    <a:lstStyle/>
+                    <a:p>
+                      <a:r>
+                        <a:rPr lang="en-US" dirty="0"/>
+                        <a:t>precision</a:t>
+                      </a:r>
+                      <a:endParaRPr lang="en-SG" dirty="0"/>
+                    </a:p>
+                  </a:txBody>
+                  <a:tcPr/>
+                </a:tc>
+                <a:tc>
+                  <a:txBody>
+                    <a:bodyPr/>
+                    <a:lstStyle/>
+                    <a:p>
+                      <a:r>
+                        <a:rPr lang="en-US" dirty="0"/>
+                        <a:t> recall </a:t>
+                      </a:r>
+                      <a:endParaRPr lang="en-SG" dirty="0"/>
+                    </a:p>
+                  </a:txBody>
+                  <a:tcPr/>
+                </a:tc>
+                <a:tc>
+                  <a:txBody>
+                    <a:bodyPr/>
+                    <a:lstStyle/>
+                    <a:p>
+                      <a:r>
+                        <a:rPr lang="en-US" dirty="0"/>
+                        <a:t>f1-score</a:t>
+                      </a:r>
+                      <a:endParaRPr lang="en-SG" dirty="0"/>
+                    </a:p>
+                  </a:txBody>
+                  <a:tcPr/>
+                </a:tc>
+                <a:tc>
+                  <a:txBody>
+                    <a:bodyPr/>
+                    <a:lstStyle/>
+                    <a:p>
+                      <a:pPr marL="0" marR="0" lvl="0" indent="0" algn="l" defTabSz="914400" rtl="0" eaLnBrk="1" fontAlgn="auto" latinLnBrk="0" hangingPunct="1">
+                        <a:lnSpc>
+                          <a:spcPct val="100000"/>
+                        </a:lnSpc>
+                        <a:spcBef>
+                          <a:spcPts val="0"/>
+                        </a:spcBef>
+                        <a:spcAft>
+                          <a:spcPts val="0"/>
+                        </a:spcAft>
+                        <a:buClrTx/>
+                        <a:buSzTx/>
+                        <a:buFontTx/>
+                        <a:buNone/>
+                        <a:tabLst/>
+                        <a:defRPr/>
+                      </a:pPr>
+                      <a:r>
+                        <a:rPr lang="en-US" dirty="0"/>
+                        <a:t>support</a:t>
+                      </a:r>
+                    </a:p>
+                  </a:txBody>
+                  <a:tcPr/>
+                </a:tc>
+                <a:extLst>
+                  <a:ext uri="{0D108BD9-81ED-4DB2-BD59-A6C34878D82A}">
+                    <a16:rowId xmlns:a16="http://schemas.microsoft.com/office/drawing/2014/main" val="3421087939"/>
+                  </a:ext>
+                </a:extLst>
+              </a:tr>
+              <a:tr h="370840">
+                <a:tc>
+                  <a:txBody>
+                    <a:bodyPr/>
+                    <a:lstStyle/>
+                    <a:p>
+                      <a:pPr algn="r"/>
+                      <a:r>
+                        <a:rPr lang="en-SG" dirty="0"/>
+                        <a:t>3</a:t>
+                      </a:r>
+                    </a:p>
+                  </a:txBody>
+                  <a:tcPr/>
+                </a:tc>
+                <a:tc>
+                  <a:txBody>
+                    <a:bodyPr/>
+                    <a:lstStyle/>
+                    <a:p>
+                      <a:r>
+                        <a:rPr lang="en-SG" dirty="0"/>
+                        <a:t>0.36</a:t>
+                      </a:r>
+                    </a:p>
+                  </a:txBody>
+                  <a:tcPr/>
+                </a:tc>
+                <a:tc>
+                  <a:txBody>
+                    <a:bodyPr/>
+                    <a:lstStyle/>
+                    <a:p>
+                      <a:r>
+                        <a:rPr lang="en-SG" dirty="0"/>
+                        <a:t>0.38</a:t>
+                      </a:r>
+                    </a:p>
+                  </a:txBody>
+                  <a:tcPr/>
+                </a:tc>
+                <a:tc>
+                  <a:txBody>
+                    <a:bodyPr/>
+                    <a:lstStyle/>
+                    <a:p>
+                      <a:r>
+                        <a:rPr lang="en-SG" dirty="0"/>
+                        <a:t>0.37</a:t>
+                      </a:r>
+                    </a:p>
+                  </a:txBody>
+                  <a:tcPr/>
+                </a:tc>
+                <a:tc>
+                  <a:txBody>
+                    <a:bodyPr/>
+                    <a:lstStyle/>
+                    <a:p>
+                      <a:r>
+                        <a:rPr lang="en-SG" dirty="0"/>
+                        <a:t>184</a:t>
+                      </a:r>
+                    </a:p>
+                  </a:txBody>
+                  <a:tcPr/>
+                </a:tc>
+                <a:extLst>
+                  <a:ext uri="{0D108BD9-81ED-4DB2-BD59-A6C34878D82A}">
+                    <a16:rowId xmlns:a16="http://schemas.microsoft.com/office/drawing/2014/main" val="1252604265"/>
+                  </a:ext>
+                </a:extLst>
+              </a:tr>
+              <a:tr h="370840">
+                <a:tc>
+                  <a:txBody>
+                    <a:bodyPr/>
+                    <a:lstStyle/>
+                    <a:p>
+                      <a:pPr algn="r"/>
+                      <a:r>
+                        <a:rPr lang="en-SG" dirty="0"/>
+                        <a:t>4</a:t>
+                      </a:r>
+                    </a:p>
+                  </a:txBody>
+                  <a:tcPr/>
+                </a:tc>
+                <a:tc>
+                  <a:txBody>
+                    <a:bodyPr/>
+                    <a:lstStyle/>
+                    <a:p>
+                      <a:r>
+                        <a:rPr lang="en-SG" dirty="0"/>
+                        <a:t>0.34</a:t>
+                      </a:r>
+                    </a:p>
+                  </a:txBody>
+                  <a:tcPr/>
+                </a:tc>
+                <a:tc>
+                  <a:txBody>
+                    <a:bodyPr/>
+                    <a:lstStyle/>
+                    <a:p>
+                      <a:r>
+                        <a:rPr lang="en-SG" dirty="0"/>
+                        <a:t>0.53</a:t>
+                      </a:r>
+                    </a:p>
+                  </a:txBody>
+                  <a:tcPr/>
+                </a:tc>
+                <a:tc>
+                  <a:txBody>
+                    <a:bodyPr/>
+                    <a:lstStyle/>
+                    <a:p>
+                      <a:r>
+                        <a:rPr lang="en-SG" dirty="0"/>
+                        <a:t>0.42</a:t>
+                      </a:r>
+                    </a:p>
+                  </a:txBody>
+                  <a:tcPr/>
+                </a:tc>
+                <a:tc>
+                  <a:txBody>
+                    <a:bodyPr/>
+                    <a:lstStyle/>
+                    <a:p>
+                      <a:r>
+                        <a:rPr lang="en-SG" dirty="0"/>
+                        <a:t>184</a:t>
+                      </a:r>
+                    </a:p>
+                  </a:txBody>
+                  <a:tcPr/>
+                </a:tc>
+                <a:extLst>
+                  <a:ext uri="{0D108BD9-81ED-4DB2-BD59-A6C34878D82A}">
+                    <a16:rowId xmlns:a16="http://schemas.microsoft.com/office/drawing/2014/main" val="2188601737"/>
+                  </a:ext>
+                </a:extLst>
+              </a:tr>
+              <a:tr h="370840">
+                <a:tc>
+                  <a:txBody>
+                    <a:bodyPr/>
+                    <a:lstStyle/>
+                    <a:p>
+                      <a:pPr algn="r"/>
+                      <a:r>
+                        <a:rPr lang="en-SG" dirty="0"/>
+                        <a:t>5</a:t>
+                      </a:r>
+                    </a:p>
+                  </a:txBody>
+                  <a:tcPr/>
+                </a:tc>
+                <a:tc>
+                  <a:txBody>
+                    <a:bodyPr/>
+                    <a:lstStyle/>
+                    <a:p>
+                      <a:r>
+                        <a:rPr lang="en-SG" dirty="0"/>
+                        <a:t>0.36</a:t>
+                      </a:r>
+                    </a:p>
+                  </a:txBody>
+                  <a:tcPr/>
+                </a:tc>
+                <a:tc>
+                  <a:txBody>
+                    <a:bodyPr/>
+                    <a:lstStyle/>
+                    <a:p>
+                      <a:r>
+                        <a:rPr lang="en-SG" dirty="0"/>
+                        <a:t>0.15</a:t>
+                      </a:r>
+                    </a:p>
+                  </a:txBody>
+                  <a:tcPr/>
+                </a:tc>
+                <a:tc>
+                  <a:txBody>
+                    <a:bodyPr/>
+                    <a:lstStyle/>
+                    <a:p>
+                      <a:r>
+                        <a:rPr lang="en-SG" dirty="0"/>
+                        <a:t>0.21</a:t>
+                      </a:r>
+                    </a:p>
+                  </a:txBody>
+                  <a:tcPr/>
+                </a:tc>
+                <a:tc>
+                  <a:txBody>
+                    <a:bodyPr/>
+                    <a:lstStyle/>
+                    <a:p>
+                      <a:r>
+                        <a:rPr lang="en-SG" dirty="0"/>
+                        <a:t>184</a:t>
+                      </a:r>
+                    </a:p>
+                  </a:txBody>
+                  <a:tcPr/>
+                </a:tc>
+                <a:extLst>
+                  <a:ext uri="{0D108BD9-81ED-4DB2-BD59-A6C34878D82A}">
+                    <a16:rowId xmlns:a16="http://schemas.microsoft.com/office/drawing/2014/main" val="3021082810"/>
+                  </a:ext>
+                </a:extLst>
+              </a:tr>
+              <a:tr h="370840">
+                <a:tc>
+                  <a:txBody>
+                    <a:bodyPr/>
+                    <a:lstStyle/>
+                    <a:p>
+                      <a:pPr algn="r"/>
+                      <a:endParaRPr lang="en-SG" dirty="0"/>
+                    </a:p>
+                  </a:txBody>
+                  <a:tcPr/>
+                </a:tc>
+                <a:tc>
+                  <a:txBody>
+                    <a:bodyPr/>
+                    <a:lstStyle/>
+                    <a:p>
+                      <a:endParaRPr lang="en-SG" dirty="0"/>
+                    </a:p>
+                  </a:txBody>
+                  <a:tcPr/>
+                </a:tc>
+                <a:tc>
+                  <a:txBody>
+                    <a:bodyPr/>
+                    <a:lstStyle/>
+                    <a:p>
+                      <a:endParaRPr lang="en-SG"/>
+                    </a:p>
+                  </a:txBody>
+                  <a:tcPr/>
+                </a:tc>
+                <a:tc>
+                  <a:txBody>
+                    <a:bodyPr/>
+                    <a:lstStyle/>
+                    <a:p>
+                      <a:endParaRPr lang="en-SG" dirty="0"/>
+                    </a:p>
+                  </a:txBody>
+                  <a:tcPr/>
+                </a:tc>
+                <a:tc>
+                  <a:txBody>
+                    <a:bodyPr/>
+                    <a:lstStyle/>
+                    <a:p>
+                      <a:endParaRPr lang="en-SG" dirty="0"/>
+                    </a:p>
+                  </a:txBody>
+                  <a:tcPr/>
+                </a:tc>
+                <a:extLst>
+                  <a:ext uri="{0D108BD9-81ED-4DB2-BD59-A6C34878D82A}">
+                    <a16:rowId xmlns:a16="http://schemas.microsoft.com/office/drawing/2014/main" val="701784918"/>
+                  </a:ext>
+                </a:extLst>
+              </a:tr>
+              <a:tr h="370840">
+                <a:tc>
+                  <a:txBody>
+                    <a:bodyPr/>
+                    <a:lstStyle/>
+                    <a:p>
+                      <a:pPr algn="r"/>
+                      <a:r>
+                        <a:rPr lang="en-US" dirty="0"/>
+                        <a:t>macro avg </a:t>
+                      </a:r>
+                      <a:endParaRPr lang="en-SG" dirty="0"/>
+                    </a:p>
+                  </a:txBody>
+                  <a:tcPr/>
+                </a:tc>
+                <a:tc>
+                  <a:txBody>
+                    <a:bodyPr/>
+                    <a:lstStyle/>
+                    <a:p>
+                      <a:r>
+                        <a:rPr lang="en-SG" dirty="0"/>
+                        <a:t>0.35</a:t>
+                      </a:r>
+                    </a:p>
+                  </a:txBody>
+                  <a:tcPr/>
+                </a:tc>
+                <a:tc>
+                  <a:txBody>
+                    <a:bodyPr/>
+                    <a:lstStyle/>
+                    <a:p>
+                      <a:r>
+                        <a:rPr lang="en-US" dirty="0"/>
+                        <a:t>0.35</a:t>
+                      </a:r>
+                      <a:endParaRPr lang="en-SG" dirty="0"/>
+                    </a:p>
+                  </a:txBody>
+                  <a:tcPr/>
+                </a:tc>
+                <a:tc>
+                  <a:txBody>
+                    <a:bodyPr/>
+                    <a:lstStyle/>
+                    <a:p>
+                      <a:r>
+                        <a:rPr lang="en-US" dirty="0"/>
+                        <a:t>0.33</a:t>
+                      </a:r>
+                      <a:endParaRPr lang="en-SG" dirty="0"/>
+                    </a:p>
+                  </a:txBody>
+                  <a:tcPr/>
+                </a:tc>
+                <a:tc>
+                  <a:txBody>
+                    <a:bodyPr/>
+                    <a:lstStyle/>
+                    <a:p>
+                      <a:r>
+                        <a:rPr lang="en-SG" dirty="0"/>
+                        <a:t>552</a:t>
+                      </a:r>
+                    </a:p>
+                  </a:txBody>
+                  <a:tcPr/>
+                </a:tc>
+                <a:extLst>
+                  <a:ext uri="{0D108BD9-81ED-4DB2-BD59-A6C34878D82A}">
+                    <a16:rowId xmlns:a16="http://schemas.microsoft.com/office/drawing/2014/main" val="3515906934"/>
+                  </a:ext>
+                </a:extLst>
+              </a:tr>
+              <a:tr h="299533">
+                <a:tc>
+                  <a:txBody>
+                    <a:bodyPr/>
+                    <a:lstStyle/>
+                    <a:p>
+                      <a:pPr algn="r"/>
+                      <a:r>
+                        <a:rPr lang="en-US" dirty="0"/>
+                        <a:t>weighted avg </a:t>
+                      </a:r>
+                      <a:endParaRPr lang="en-SG" dirty="0"/>
+                    </a:p>
+                  </a:txBody>
+                  <a:tcPr/>
+                </a:tc>
+                <a:tc>
+                  <a:txBody>
+                    <a:bodyPr/>
+                    <a:lstStyle/>
+                    <a:p>
+                      <a:r>
+                        <a:rPr lang="en-US" dirty="0"/>
+                        <a:t>0.35</a:t>
+                      </a:r>
+                      <a:endParaRPr lang="en-SG" dirty="0"/>
+                    </a:p>
+                  </a:txBody>
+                  <a:tcPr/>
+                </a:tc>
+                <a:tc>
+                  <a:txBody>
+                    <a:bodyPr/>
+                    <a:lstStyle/>
+                    <a:p>
+                      <a:r>
+                        <a:rPr lang="en-US" dirty="0"/>
+                        <a:t>0.35</a:t>
+                      </a:r>
+                      <a:endParaRPr lang="en-SG" dirty="0"/>
+                    </a:p>
+                  </a:txBody>
+                  <a:tcPr/>
+                </a:tc>
+                <a:tc>
+                  <a:txBody>
+                    <a:bodyPr/>
+                    <a:lstStyle/>
+                    <a:p>
+                      <a:r>
+                        <a:rPr lang="en-US" dirty="0"/>
+                        <a:t>0.33</a:t>
+                      </a:r>
+                      <a:endParaRPr lang="en-SG" dirty="0"/>
+                    </a:p>
+                  </a:txBody>
+                  <a:tcPr/>
+                </a:tc>
+                <a:tc>
+                  <a:txBody>
+                    <a:bodyPr/>
+                    <a:lstStyle/>
+                    <a:p>
+                      <a:r>
+                        <a:rPr lang="en-SG" dirty="0"/>
+                        <a:t>552</a:t>
+                      </a:r>
+                    </a:p>
+                  </a:txBody>
+                  <a:tcPr/>
+                </a:tc>
+                <a:extLst>
+                  <a:ext uri="{0D108BD9-81ED-4DB2-BD59-A6C34878D82A}">
+                    <a16:rowId xmlns:a16="http://schemas.microsoft.com/office/drawing/2014/main" val="3940738355"/>
+                  </a:ext>
+                </a:extLst>
+              </a:tr>
+            </a:tbl>
+          </a:graphicData>
+        </a:graphic>
+      </p:graphicFrame>
     </p:spTree>
     <p:extLst>
       <p:ext uri="{BB962C8B-B14F-4D97-AF65-F5344CB8AC3E}">
-        <p14:creationId xmlns:p14="http://schemas.microsoft.com/office/powerpoint/2010/main" val="3308464785"/>
+        <p14:creationId xmlns:p14="http://schemas.microsoft.com/office/powerpoint/2010/main" val="1926395789"/>
       </p:ext>
     </p:extLst>
   </p:cSld>
@@ -6151,7 +6652,7 @@
           <p:cNvPr id="2" name="Title 1">
             <a:extLst>
               <a:ext uri="{FF2B5EF4-FFF2-40B4-BE49-F238E27FC236}">
-                <a16:creationId xmlns:a16="http://schemas.microsoft.com/office/drawing/2014/main" id="{2C94E3B1-9A8C-4491-A9A6-755ACB062CF4}"/>
+                <a16:creationId xmlns:a16="http://schemas.microsoft.com/office/drawing/2014/main" id="{A7DA3BAE-6D02-46EC-8BEC-1C6B46594D4C}"/>
               </a:ext>
             </a:extLst>
           </p:cNvPr>
@@ -6162,24 +6663,91 @@
             <p:ph type="title"/>
           </p:nvPr>
         </p:nvSpPr>
-        <p:spPr/>
+        <p:spPr>
+          <a:xfrm>
+            <a:off x="838200" y="78249"/>
+            <a:ext cx="10515600" cy="1325563"/>
+          </a:xfrm>
+        </p:spPr>
         <p:txBody>
           <a:bodyPr/>
           <a:lstStyle/>
           <a:p>
-            <a:r>
-              <a:rPr lang="en-SG" dirty="0"/>
-              <a:t>Data Preparation</a:t>
-            </a:r>
-          </a:p>
-        </p:txBody>
-      </p:sp>
-      <p:sp>
-        <p:nvSpPr>
-          <p:cNvPr id="3" name="Content Placeholder 2">
-            <a:extLst>
-              <a:ext uri="{FF2B5EF4-FFF2-40B4-BE49-F238E27FC236}">
-                <a16:creationId xmlns:a16="http://schemas.microsoft.com/office/drawing/2014/main" id="{D3224137-5A20-45F0-8584-7EABF3EAA354}"/>
+            <a:pPr algn="ctr"/>
+            <a:r>
+              <a:rPr lang="en-SG" altLang="zh-CN" dirty="0"/>
+              <a:t>CVA345</a:t>
+            </a:r>
+            <a:endParaRPr lang="en-SG" dirty="0"/>
+          </a:p>
+        </p:txBody>
+      </p:sp>
+      <p:pic>
+        <p:nvPicPr>
+          <p:cNvPr id="5" name="Picture 4">
+            <a:extLst>
+              <a:ext uri="{FF2B5EF4-FFF2-40B4-BE49-F238E27FC236}">
+                <a16:creationId xmlns:a16="http://schemas.microsoft.com/office/drawing/2014/main" id="{3D357561-6A15-4598-A913-C512199243B3}"/>
+              </a:ext>
+            </a:extLst>
+          </p:cNvPr>
+          <p:cNvPicPr>
+            <a:picLocks noChangeAspect="1"/>
+          </p:cNvPicPr>
+          <p:nvPr/>
+        </p:nvPicPr>
+        <p:blipFill>
+          <a:blip r:embed="rId2"/>
+          <a:stretch>
+            <a:fillRect/>
+          </a:stretch>
+        </p:blipFill>
+        <p:spPr>
+          <a:xfrm>
+            <a:off x="0" y="1506653"/>
+            <a:ext cx="6206836" cy="5351347"/>
+          </a:xfrm>
+          <a:prstGeom prst="rect">
+            <a:avLst/>
+          </a:prstGeom>
+        </p:spPr>
+      </p:pic>
+    </p:spTree>
+    <p:extLst>
+      <p:ext uri="{BB962C8B-B14F-4D97-AF65-F5344CB8AC3E}">
+        <p14:creationId xmlns:p14="http://schemas.microsoft.com/office/powerpoint/2010/main" val="1908782790"/>
+      </p:ext>
+    </p:extLst>
+  </p:cSld>
+  <p:clrMapOvr>
+    <a:masterClrMapping/>
+  </p:clrMapOvr>
+</p:sld>
+</file>
+
+<file path=ppt/slides/slide19.xml><?xml version="1.0" encoding="utf-8"?>
+<p:sld xmlns:a="http://schemas.openxmlformats.org/drawingml/2006/main" xmlns:r="http://schemas.openxmlformats.org/officeDocument/2006/relationships" xmlns:p="http://schemas.openxmlformats.org/presentationml/2006/main">
+  <p:cSld>
+    <p:spTree>
+      <p:nvGrpSpPr>
+        <p:cNvPr id="1" name=""/>
+        <p:cNvGrpSpPr/>
+        <p:nvPr/>
+      </p:nvGrpSpPr>
+      <p:grpSpPr>
+        <a:xfrm>
+          <a:off x="0" y="0"/>
+          <a:ext cx="0" cy="0"/>
+          <a:chOff x="0" y="0"/>
+          <a:chExt cx="0" cy="0"/>
+        </a:xfrm>
+      </p:grpSpPr>
+      <p:sp>
+        <p:nvSpPr>
+          <p:cNvPr id="2" name="Title 1">
+            <a:extLst>
+              <a:ext uri="{FF2B5EF4-FFF2-40B4-BE49-F238E27FC236}">
+                <a16:creationId xmlns:a16="http://schemas.microsoft.com/office/drawing/2014/main" id="{A7DA3BAE-6D02-46EC-8BEC-1C6B46594D4C}"/>
               </a:ext>
             </a:extLst>
           </p:cNvPr>
@@ -6187,36 +6755,656 @@
             <a:spLocks noGrp="1"/>
           </p:cNvSpPr>
           <p:nvPr>
-            <p:ph idx="1"/>
+            <p:ph type="title"/>
           </p:nvPr>
         </p:nvSpPr>
-        <p:spPr/>
+        <p:spPr>
+          <a:xfrm>
+            <a:off x="838200" y="78249"/>
+            <a:ext cx="10515600" cy="1325563"/>
+          </a:xfrm>
+        </p:spPr>
         <p:txBody>
           <a:bodyPr/>
           <a:lstStyle/>
           <a:p>
-            <a:pPr marL="0" indent="0">
-              <a:buNone/>
-            </a:pPr>
-            <a:r>
-              <a:rPr lang="en-SG" dirty="0"/>
-              <a:t>Collecting band new images can be difficult and </a:t>
-            </a:r>
-            <a:r>
-              <a:rPr lang="en-SG" dirty="0" err="1"/>
-              <a:t>labourous</a:t>
-            </a:r>
-            <a:r>
-              <a:rPr lang="en-SG" dirty="0"/>
-              <a:t>, thus some images from RPS dataset was reused to speed up the process. Because someone was supposed to do it but preferred to go hang out and get drunk and when the data is sent over it isn’t 1:1 ratio</a:t>
-            </a:r>
-          </a:p>
-        </p:txBody>
-      </p:sp>
+            <a:pPr algn="ctr"/>
+            <a:r>
+              <a:rPr lang="en-SG" altLang="zh-CN" dirty="0"/>
+              <a:t>CVA345</a:t>
+            </a:r>
+            <a:endParaRPr lang="en-SG" dirty="0"/>
+          </a:p>
+        </p:txBody>
+      </p:sp>
+      <p:graphicFrame>
+        <p:nvGraphicFramePr>
+          <p:cNvPr id="10" name="Table 5">
+            <a:extLst>
+              <a:ext uri="{FF2B5EF4-FFF2-40B4-BE49-F238E27FC236}">
+                <a16:creationId xmlns:a16="http://schemas.microsoft.com/office/drawing/2014/main" id="{451C050C-604F-41CA-88E6-391FAC870989}"/>
+              </a:ext>
+            </a:extLst>
+          </p:cNvPr>
+          <p:cNvGraphicFramePr>
+            <a:graphicFrameLocks noGrp="1"/>
+          </p:cNvGraphicFramePr>
+          <p:nvPr>
+            <p:extLst>
+              <p:ext uri="{D42A27DB-BD31-4B8C-83A1-F6EECF244321}">
+                <p14:modId xmlns:p14="http://schemas.microsoft.com/office/powerpoint/2010/main" val="1602106572"/>
+              </p:ext>
+            </p:extLst>
+          </p:nvPr>
+        </p:nvGraphicFramePr>
+        <p:xfrm>
+          <a:off x="785769" y="1403812"/>
+          <a:ext cx="5310231" cy="2590800"/>
+        </p:xfrm>
+        <a:graphic>
+          <a:graphicData uri="http://schemas.openxmlformats.org/drawingml/2006/table">
+            <a:tbl>
+              <a:tblPr firstRow="1" bandRow="1">
+                <a:tableStyleId>{5C22544A-7EE6-4342-B048-85BDC9FD1C3A}</a:tableStyleId>
+              </a:tblPr>
+              <a:tblGrid>
+                <a:gridCol w="1459311">
+                  <a:extLst>
+                    <a:ext uri="{9D8B030D-6E8A-4147-A177-3AD203B41FA5}">
+                      <a16:colId xmlns:a16="http://schemas.microsoft.com/office/drawing/2014/main" val="1273551596"/>
+                    </a:ext>
+                  </a:extLst>
+                </a:gridCol>
+                <a:gridCol w="1048997">
+                  <a:extLst>
+                    <a:ext uri="{9D8B030D-6E8A-4147-A177-3AD203B41FA5}">
+                      <a16:colId xmlns:a16="http://schemas.microsoft.com/office/drawing/2014/main" val="1669163872"/>
+                    </a:ext>
+                  </a:extLst>
+                </a:gridCol>
+                <a:gridCol w="897622">
+                  <a:extLst>
+                    <a:ext uri="{9D8B030D-6E8A-4147-A177-3AD203B41FA5}">
+                      <a16:colId xmlns:a16="http://schemas.microsoft.com/office/drawing/2014/main" val="2392927582"/>
+                    </a:ext>
+                  </a:extLst>
+                </a:gridCol>
+                <a:gridCol w="947956">
+                  <a:extLst>
+                    <a:ext uri="{9D8B030D-6E8A-4147-A177-3AD203B41FA5}">
+                      <a16:colId xmlns:a16="http://schemas.microsoft.com/office/drawing/2014/main" val="537605220"/>
+                    </a:ext>
+                  </a:extLst>
+                </a:gridCol>
+                <a:gridCol w="956345">
+                  <a:extLst>
+                    <a:ext uri="{9D8B030D-6E8A-4147-A177-3AD203B41FA5}">
+                      <a16:colId xmlns:a16="http://schemas.microsoft.com/office/drawing/2014/main" val="2426565742"/>
+                    </a:ext>
+                  </a:extLst>
+                </a:gridCol>
+              </a:tblGrid>
+              <a:tr h="370840">
+                <a:tc>
+                  <a:txBody>
+                    <a:bodyPr/>
+                    <a:lstStyle/>
+                    <a:p>
+                      <a:endParaRPr lang="en-SG" dirty="0"/>
+                    </a:p>
+                  </a:txBody>
+                  <a:tcPr/>
+                </a:tc>
+                <a:tc>
+                  <a:txBody>
+                    <a:bodyPr/>
+                    <a:lstStyle/>
+                    <a:p>
+                      <a:r>
+                        <a:rPr lang="en-US" dirty="0"/>
+                        <a:t>precision</a:t>
+                      </a:r>
+                      <a:endParaRPr lang="en-SG" dirty="0"/>
+                    </a:p>
+                  </a:txBody>
+                  <a:tcPr/>
+                </a:tc>
+                <a:tc>
+                  <a:txBody>
+                    <a:bodyPr/>
+                    <a:lstStyle/>
+                    <a:p>
+                      <a:r>
+                        <a:rPr lang="en-US" dirty="0"/>
+                        <a:t> recall </a:t>
+                      </a:r>
+                      <a:endParaRPr lang="en-SG" dirty="0"/>
+                    </a:p>
+                  </a:txBody>
+                  <a:tcPr/>
+                </a:tc>
+                <a:tc>
+                  <a:txBody>
+                    <a:bodyPr/>
+                    <a:lstStyle/>
+                    <a:p>
+                      <a:r>
+                        <a:rPr lang="en-US" dirty="0"/>
+                        <a:t>f1-score</a:t>
+                      </a:r>
+                      <a:endParaRPr lang="en-SG" dirty="0"/>
+                    </a:p>
+                  </a:txBody>
+                  <a:tcPr/>
+                </a:tc>
+                <a:tc>
+                  <a:txBody>
+                    <a:bodyPr/>
+                    <a:lstStyle/>
+                    <a:p>
+                      <a:pPr marL="0" marR="0" lvl="0" indent="0" algn="l" defTabSz="914400" rtl="0" eaLnBrk="1" fontAlgn="auto" latinLnBrk="0" hangingPunct="1">
+                        <a:lnSpc>
+                          <a:spcPct val="100000"/>
+                        </a:lnSpc>
+                        <a:spcBef>
+                          <a:spcPts val="0"/>
+                        </a:spcBef>
+                        <a:spcAft>
+                          <a:spcPts val="0"/>
+                        </a:spcAft>
+                        <a:buClrTx/>
+                        <a:buSzTx/>
+                        <a:buFontTx/>
+                        <a:buNone/>
+                        <a:tabLst/>
+                        <a:defRPr/>
+                      </a:pPr>
+                      <a:r>
+                        <a:rPr lang="en-US" dirty="0"/>
+                        <a:t>support</a:t>
+                      </a:r>
+                    </a:p>
+                  </a:txBody>
+                  <a:tcPr/>
+                </a:tc>
+                <a:extLst>
+                  <a:ext uri="{0D108BD9-81ED-4DB2-BD59-A6C34878D82A}">
+                    <a16:rowId xmlns:a16="http://schemas.microsoft.com/office/drawing/2014/main" val="3421087939"/>
+                  </a:ext>
+                </a:extLst>
+              </a:tr>
+              <a:tr h="370840">
+                <a:tc>
+                  <a:txBody>
+                    <a:bodyPr/>
+                    <a:lstStyle/>
+                    <a:p>
+                      <a:pPr algn="r"/>
+                      <a:r>
+                        <a:rPr lang="en-SG" dirty="0"/>
+                        <a:t>3</a:t>
+                      </a:r>
+                    </a:p>
+                  </a:txBody>
+                  <a:tcPr/>
+                </a:tc>
+                <a:tc>
+                  <a:txBody>
+                    <a:bodyPr/>
+                    <a:lstStyle/>
+                    <a:p>
+                      <a:r>
+                        <a:rPr lang="en-SG" dirty="0"/>
+                        <a:t>0.27</a:t>
+                      </a:r>
+                    </a:p>
+                  </a:txBody>
+                  <a:tcPr/>
+                </a:tc>
+                <a:tc>
+                  <a:txBody>
+                    <a:bodyPr/>
+                    <a:lstStyle/>
+                    <a:p>
+                      <a:r>
+                        <a:rPr lang="en-SG" dirty="0"/>
+                        <a:t>0.20</a:t>
+                      </a:r>
+                    </a:p>
+                  </a:txBody>
+                  <a:tcPr/>
+                </a:tc>
+                <a:tc>
+                  <a:txBody>
+                    <a:bodyPr/>
+                    <a:lstStyle/>
+                    <a:p>
+                      <a:r>
+                        <a:rPr lang="en-SG" dirty="0"/>
+                        <a:t>0.23</a:t>
+                      </a:r>
+                    </a:p>
+                  </a:txBody>
+                  <a:tcPr/>
+                </a:tc>
+                <a:tc>
+                  <a:txBody>
+                    <a:bodyPr/>
+                    <a:lstStyle/>
+                    <a:p>
+                      <a:r>
+                        <a:rPr lang="en-SG" dirty="0"/>
+                        <a:t>80</a:t>
+                      </a:r>
+                    </a:p>
+                  </a:txBody>
+                  <a:tcPr/>
+                </a:tc>
+                <a:extLst>
+                  <a:ext uri="{0D108BD9-81ED-4DB2-BD59-A6C34878D82A}">
+                    <a16:rowId xmlns:a16="http://schemas.microsoft.com/office/drawing/2014/main" val="1252604265"/>
+                  </a:ext>
+                </a:extLst>
+              </a:tr>
+              <a:tr h="370840">
+                <a:tc>
+                  <a:txBody>
+                    <a:bodyPr/>
+                    <a:lstStyle/>
+                    <a:p>
+                      <a:pPr algn="r"/>
+                      <a:r>
+                        <a:rPr lang="en-SG" dirty="0"/>
+                        <a:t>4</a:t>
+                      </a:r>
+                    </a:p>
+                  </a:txBody>
+                  <a:tcPr/>
+                </a:tc>
+                <a:tc>
+                  <a:txBody>
+                    <a:bodyPr/>
+                    <a:lstStyle/>
+                    <a:p>
+                      <a:r>
+                        <a:rPr lang="en-SG" dirty="0"/>
+                        <a:t>0.34</a:t>
+                      </a:r>
+                    </a:p>
+                  </a:txBody>
+                  <a:tcPr/>
+                </a:tc>
+                <a:tc>
+                  <a:txBody>
+                    <a:bodyPr/>
+                    <a:lstStyle/>
+                    <a:p>
+                      <a:r>
+                        <a:rPr lang="en-SG" dirty="0"/>
+                        <a:t>0.39</a:t>
+                      </a:r>
+                    </a:p>
+                  </a:txBody>
+                  <a:tcPr/>
+                </a:tc>
+                <a:tc>
+                  <a:txBody>
+                    <a:bodyPr/>
+                    <a:lstStyle/>
+                    <a:p>
+                      <a:r>
+                        <a:rPr lang="en-SG" dirty="0"/>
+                        <a:t>0.36</a:t>
+                      </a:r>
+                    </a:p>
+                  </a:txBody>
+                  <a:tcPr/>
+                </a:tc>
+                <a:tc>
+                  <a:txBody>
+                    <a:bodyPr/>
+                    <a:lstStyle/>
+                    <a:p>
+                      <a:pPr marL="0" marR="0" lvl="0" indent="0" algn="l" defTabSz="914400" rtl="0" eaLnBrk="1" fontAlgn="auto" latinLnBrk="0" hangingPunct="1">
+                        <a:lnSpc>
+                          <a:spcPct val="100000"/>
+                        </a:lnSpc>
+                        <a:spcBef>
+                          <a:spcPts val="0"/>
+                        </a:spcBef>
+                        <a:spcAft>
+                          <a:spcPts val="0"/>
+                        </a:spcAft>
+                        <a:buClrTx/>
+                        <a:buSzTx/>
+                        <a:buFontTx/>
+                        <a:buNone/>
+                        <a:tabLst/>
+                        <a:defRPr/>
+                      </a:pPr>
+                      <a:r>
+                        <a:rPr lang="en-SG" dirty="0"/>
+                        <a:t>80</a:t>
+                      </a:r>
+                    </a:p>
+                  </a:txBody>
+                  <a:tcPr/>
+                </a:tc>
+                <a:extLst>
+                  <a:ext uri="{0D108BD9-81ED-4DB2-BD59-A6C34878D82A}">
+                    <a16:rowId xmlns:a16="http://schemas.microsoft.com/office/drawing/2014/main" val="2188601737"/>
+                  </a:ext>
+                </a:extLst>
+              </a:tr>
+              <a:tr h="370840">
+                <a:tc>
+                  <a:txBody>
+                    <a:bodyPr/>
+                    <a:lstStyle/>
+                    <a:p>
+                      <a:pPr algn="r"/>
+                      <a:r>
+                        <a:rPr lang="en-SG" dirty="0"/>
+                        <a:t>5</a:t>
+                      </a:r>
+                    </a:p>
+                  </a:txBody>
+                  <a:tcPr/>
+                </a:tc>
+                <a:tc>
+                  <a:txBody>
+                    <a:bodyPr/>
+                    <a:lstStyle/>
+                    <a:p>
+                      <a:r>
+                        <a:rPr lang="en-SG" dirty="0"/>
+                        <a:t>0.33</a:t>
+                      </a:r>
+                    </a:p>
+                  </a:txBody>
+                  <a:tcPr/>
+                </a:tc>
+                <a:tc>
+                  <a:txBody>
+                    <a:bodyPr/>
+                    <a:lstStyle/>
+                    <a:p>
+                      <a:r>
+                        <a:rPr lang="en-SG" dirty="0"/>
+                        <a:t>0.36</a:t>
+                      </a:r>
+                    </a:p>
+                  </a:txBody>
+                  <a:tcPr/>
+                </a:tc>
+                <a:tc>
+                  <a:txBody>
+                    <a:bodyPr/>
+                    <a:lstStyle/>
+                    <a:p>
+                      <a:r>
+                        <a:rPr lang="en-SG" dirty="0"/>
+                        <a:t>0.34</a:t>
+                      </a:r>
+                    </a:p>
+                  </a:txBody>
+                  <a:tcPr/>
+                </a:tc>
+                <a:tc>
+                  <a:txBody>
+                    <a:bodyPr/>
+                    <a:lstStyle/>
+                    <a:p>
+                      <a:pPr marL="0" marR="0" lvl="0" indent="0" algn="l" defTabSz="914400" rtl="0" eaLnBrk="1" fontAlgn="auto" latinLnBrk="0" hangingPunct="1">
+                        <a:lnSpc>
+                          <a:spcPct val="100000"/>
+                        </a:lnSpc>
+                        <a:spcBef>
+                          <a:spcPts val="0"/>
+                        </a:spcBef>
+                        <a:spcAft>
+                          <a:spcPts val="0"/>
+                        </a:spcAft>
+                        <a:buClrTx/>
+                        <a:buSzTx/>
+                        <a:buFontTx/>
+                        <a:buNone/>
+                        <a:tabLst/>
+                        <a:defRPr/>
+                      </a:pPr>
+                      <a:r>
+                        <a:rPr lang="en-SG" dirty="0"/>
+                        <a:t>80</a:t>
+                      </a:r>
+                    </a:p>
+                  </a:txBody>
+                  <a:tcPr/>
+                </a:tc>
+                <a:extLst>
+                  <a:ext uri="{0D108BD9-81ED-4DB2-BD59-A6C34878D82A}">
+                    <a16:rowId xmlns:a16="http://schemas.microsoft.com/office/drawing/2014/main" val="3021082810"/>
+                  </a:ext>
+                </a:extLst>
+              </a:tr>
+              <a:tr h="370840">
+                <a:tc>
+                  <a:txBody>
+                    <a:bodyPr/>
+                    <a:lstStyle/>
+                    <a:p>
+                      <a:pPr algn="r"/>
+                      <a:endParaRPr lang="en-SG" dirty="0"/>
+                    </a:p>
+                  </a:txBody>
+                  <a:tcPr/>
+                </a:tc>
+                <a:tc>
+                  <a:txBody>
+                    <a:bodyPr/>
+                    <a:lstStyle/>
+                    <a:p>
+                      <a:endParaRPr lang="en-SG" dirty="0"/>
+                    </a:p>
+                  </a:txBody>
+                  <a:tcPr/>
+                </a:tc>
+                <a:tc>
+                  <a:txBody>
+                    <a:bodyPr/>
+                    <a:lstStyle/>
+                    <a:p>
+                      <a:endParaRPr lang="en-SG"/>
+                    </a:p>
+                  </a:txBody>
+                  <a:tcPr/>
+                </a:tc>
+                <a:tc>
+                  <a:txBody>
+                    <a:bodyPr/>
+                    <a:lstStyle/>
+                    <a:p>
+                      <a:endParaRPr lang="en-SG" dirty="0"/>
+                    </a:p>
+                  </a:txBody>
+                  <a:tcPr/>
+                </a:tc>
+                <a:tc>
+                  <a:txBody>
+                    <a:bodyPr/>
+                    <a:lstStyle/>
+                    <a:p>
+                      <a:endParaRPr lang="en-SG" dirty="0"/>
+                    </a:p>
+                  </a:txBody>
+                  <a:tcPr/>
+                </a:tc>
+                <a:extLst>
+                  <a:ext uri="{0D108BD9-81ED-4DB2-BD59-A6C34878D82A}">
+                    <a16:rowId xmlns:a16="http://schemas.microsoft.com/office/drawing/2014/main" val="701784918"/>
+                  </a:ext>
+                </a:extLst>
+              </a:tr>
+              <a:tr h="370840">
+                <a:tc>
+                  <a:txBody>
+                    <a:bodyPr/>
+                    <a:lstStyle/>
+                    <a:p>
+                      <a:pPr algn="r"/>
+                      <a:r>
+                        <a:rPr lang="en-US" dirty="0"/>
+                        <a:t>macro avg </a:t>
+                      </a:r>
+                      <a:endParaRPr lang="en-SG" dirty="0"/>
+                    </a:p>
+                  </a:txBody>
+                  <a:tcPr/>
+                </a:tc>
+                <a:tc>
+                  <a:txBody>
+                    <a:bodyPr/>
+                    <a:lstStyle/>
+                    <a:p>
+                      <a:r>
+                        <a:rPr lang="en-SG" dirty="0"/>
+                        <a:t>0.31</a:t>
+                      </a:r>
+                    </a:p>
+                  </a:txBody>
+                  <a:tcPr/>
+                </a:tc>
+                <a:tc>
+                  <a:txBody>
+                    <a:bodyPr/>
+                    <a:lstStyle/>
+                    <a:p>
+                      <a:r>
+                        <a:rPr lang="en-US" dirty="0"/>
+                        <a:t>0.32</a:t>
+                      </a:r>
+                      <a:endParaRPr lang="en-SG" dirty="0"/>
+                    </a:p>
+                  </a:txBody>
+                  <a:tcPr/>
+                </a:tc>
+                <a:tc>
+                  <a:txBody>
+                    <a:bodyPr/>
+                    <a:lstStyle/>
+                    <a:p>
+                      <a:r>
+                        <a:rPr lang="en-US" dirty="0"/>
+                        <a:t>0.31</a:t>
+                      </a:r>
+                      <a:endParaRPr lang="en-SG" dirty="0"/>
+                    </a:p>
+                  </a:txBody>
+                  <a:tcPr/>
+                </a:tc>
+                <a:tc>
+                  <a:txBody>
+                    <a:bodyPr/>
+                    <a:lstStyle/>
+                    <a:p>
+                      <a:r>
+                        <a:rPr lang="en-SG" dirty="0"/>
+                        <a:t>240</a:t>
+                      </a:r>
+                    </a:p>
+                  </a:txBody>
+                  <a:tcPr/>
+                </a:tc>
+                <a:extLst>
+                  <a:ext uri="{0D108BD9-81ED-4DB2-BD59-A6C34878D82A}">
+                    <a16:rowId xmlns:a16="http://schemas.microsoft.com/office/drawing/2014/main" val="3515906934"/>
+                  </a:ext>
+                </a:extLst>
+              </a:tr>
+              <a:tr h="299533">
+                <a:tc>
+                  <a:txBody>
+                    <a:bodyPr/>
+                    <a:lstStyle/>
+                    <a:p>
+                      <a:pPr algn="r"/>
+                      <a:r>
+                        <a:rPr lang="en-US" dirty="0"/>
+                        <a:t>weighted avg </a:t>
+                      </a:r>
+                      <a:endParaRPr lang="en-SG" dirty="0"/>
+                    </a:p>
+                  </a:txBody>
+                  <a:tcPr/>
+                </a:tc>
+                <a:tc>
+                  <a:txBody>
+                    <a:bodyPr/>
+                    <a:lstStyle/>
+                    <a:p>
+                      <a:r>
+                        <a:rPr lang="en-US" dirty="0"/>
+                        <a:t>0.31</a:t>
+                      </a:r>
+                      <a:endParaRPr lang="en-SG" dirty="0"/>
+                    </a:p>
+                  </a:txBody>
+                  <a:tcPr/>
+                </a:tc>
+                <a:tc>
+                  <a:txBody>
+                    <a:bodyPr/>
+                    <a:lstStyle/>
+                    <a:p>
+                      <a:r>
+                        <a:rPr lang="en-US" dirty="0"/>
+                        <a:t>0.32</a:t>
+                      </a:r>
+                      <a:endParaRPr lang="en-SG" dirty="0"/>
+                    </a:p>
+                  </a:txBody>
+                  <a:tcPr/>
+                </a:tc>
+                <a:tc>
+                  <a:txBody>
+                    <a:bodyPr/>
+                    <a:lstStyle/>
+                    <a:p>
+                      <a:r>
+                        <a:rPr lang="en-US" dirty="0"/>
+                        <a:t>0.31</a:t>
+                      </a:r>
+                      <a:endParaRPr lang="en-SG" dirty="0"/>
+                    </a:p>
+                  </a:txBody>
+                  <a:tcPr/>
+                </a:tc>
+                <a:tc>
+                  <a:txBody>
+                    <a:bodyPr/>
+                    <a:lstStyle/>
+                    <a:p>
+                      <a:r>
+                        <a:rPr lang="en-SG" dirty="0"/>
+                        <a:t>240</a:t>
+                      </a:r>
+                    </a:p>
+                  </a:txBody>
+                  <a:tcPr/>
+                </a:tc>
+                <a:extLst>
+                  <a:ext uri="{0D108BD9-81ED-4DB2-BD59-A6C34878D82A}">
+                    <a16:rowId xmlns:a16="http://schemas.microsoft.com/office/drawing/2014/main" val="3940738355"/>
+                  </a:ext>
+                </a:extLst>
+              </a:tr>
+            </a:tbl>
+          </a:graphicData>
+        </a:graphic>
+      </p:graphicFrame>
     </p:spTree>
     <p:extLst>
       <p:ext uri="{BB962C8B-B14F-4D97-AF65-F5344CB8AC3E}">
-        <p14:creationId xmlns:p14="http://schemas.microsoft.com/office/powerpoint/2010/main" val="2520431078"/>
+        <p14:creationId xmlns:p14="http://schemas.microsoft.com/office/powerpoint/2010/main" val="2915575789"/>
       </p:ext>
     </p:extLst>
   </p:cSld>
@@ -6306,6 +7494,186 @@
     <p:extLst>
       <p:ext uri="{BB962C8B-B14F-4D97-AF65-F5344CB8AC3E}">
         <p14:creationId xmlns:p14="http://schemas.microsoft.com/office/powerpoint/2010/main" val="3261118531"/>
+      </p:ext>
+    </p:extLst>
+  </p:cSld>
+  <p:clrMapOvr>
+    <a:masterClrMapping/>
+  </p:clrMapOvr>
+</p:sld>
+</file>
+
+<file path=ppt/slides/slide20.xml><?xml version="1.0" encoding="utf-8"?>
+<p:sld xmlns:a="http://schemas.openxmlformats.org/drawingml/2006/main" xmlns:r="http://schemas.openxmlformats.org/officeDocument/2006/relationships" xmlns:p="http://schemas.openxmlformats.org/presentationml/2006/main">
+  <p:cSld>
+    <p:spTree>
+      <p:nvGrpSpPr>
+        <p:cNvPr id="1" name=""/>
+        <p:cNvGrpSpPr/>
+        <p:nvPr/>
+      </p:nvGrpSpPr>
+      <p:grpSpPr>
+        <a:xfrm>
+          <a:off x="0" y="0"/>
+          <a:ext cx="0" cy="0"/>
+          <a:chOff x="0" y="0"/>
+          <a:chExt cx="0" cy="0"/>
+        </a:xfrm>
+      </p:grpSpPr>
+      <p:sp>
+        <p:nvSpPr>
+          <p:cNvPr id="2" name="Title 1">
+            <a:extLst>
+              <a:ext uri="{FF2B5EF4-FFF2-40B4-BE49-F238E27FC236}">
+                <a16:creationId xmlns:a16="http://schemas.microsoft.com/office/drawing/2014/main" id="{63C1A0F5-E740-4012-9770-55C5815B50C9}"/>
+              </a:ext>
+            </a:extLst>
+          </p:cNvPr>
+          <p:cNvSpPr>
+            <a:spLocks noGrp="1"/>
+          </p:cNvSpPr>
+          <p:nvPr>
+            <p:ph type="title"/>
+          </p:nvPr>
+        </p:nvSpPr>
+        <p:spPr/>
+        <p:txBody>
+          <a:bodyPr/>
+          <a:lstStyle/>
+          <a:p>
+            <a:r>
+              <a:rPr lang="en-SG" dirty="0"/>
+              <a:t>This is where the fun begins…</a:t>
+            </a:r>
+          </a:p>
+        </p:txBody>
+      </p:sp>
+      <p:sp>
+        <p:nvSpPr>
+          <p:cNvPr id="4" name="Content Placeholder 3">
+            <a:extLst>
+              <a:ext uri="{FF2B5EF4-FFF2-40B4-BE49-F238E27FC236}">
+                <a16:creationId xmlns:a16="http://schemas.microsoft.com/office/drawing/2014/main" id="{2836CCA6-2442-409D-88F9-2DE087CDD092}"/>
+              </a:ext>
+            </a:extLst>
+          </p:cNvPr>
+          <p:cNvSpPr>
+            <a:spLocks noGrp="1"/>
+          </p:cNvSpPr>
+          <p:nvPr>
+            <p:ph idx="1"/>
+          </p:nvPr>
+        </p:nvSpPr>
+        <p:spPr/>
+        <p:txBody>
+          <a:bodyPr/>
+          <a:lstStyle/>
+          <a:p>
+            <a:endParaRPr lang="en-SG" dirty="0"/>
+          </a:p>
+        </p:txBody>
+      </p:sp>
+    </p:spTree>
+    <p:extLst>
+      <p:ext uri="{BB962C8B-B14F-4D97-AF65-F5344CB8AC3E}">
+        <p14:creationId xmlns:p14="http://schemas.microsoft.com/office/powerpoint/2010/main" val="3308464785"/>
+      </p:ext>
+    </p:extLst>
+  </p:cSld>
+  <p:clrMapOvr>
+    <a:masterClrMapping/>
+  </p:clrMapOvr>
+</p:sld>
+</file>
+
+<file path=ppt/slides/slide21.xml><?xml version="1.0" encoding="utf-8"?>
+<p:sld xmlns:a="http://schemas.openxmlformats.org/drawingml/2006/main" xmlns:r="http://schemas.openxmlformats.org/officeDocument/2006/relationships" xmlns:p="http://schemas.openxmlformats.org/presentationml/2006/main">
+  <p:cSld>
+    <p:spTree>
+      <p:nvGrpSpPr>
+        <p:cNvPr id="1" name=""/>
+        <p:cNvGrpSpPr/>
+        <p:nvPr/>
+      </p:nvGrpSpPr>
+      <p:grpSpPr>
+        <a:xfrm>
+          <a:off x="0" y="0"/>
+          <a:ext cx="0" cy="0"/>
+          <a:chOff x="0" y="0"/>
+          <a:chExt cx="0" cy="0"/>
+        </a:xfrm>
+      </p:grpSpPr>
+      <p:sp>
+        <p:nvSpPr>
+          <p:cNvPr id="2" name="Title 1">
+            <a:extLst>
+              <a:ext uri="{FF2B5EF4-FFF2-40B4-BE49-F238E27FC236}">
+                <a16:creationId xmlns:a16="http://schemas.microsoft.com/office/drawing/2014/main" id="{2C94E3B1-9A8C-4491-A9A6-755ACB062CF4}"/>
+              </a:ext>
+            </a:extLst>
+          </p:cNvPr>
+          <p:cNvSpPr>
+            <a:spLocks noGrp="1"/>
+          </p:cNvSpPr>
+          <p:nvPr>
+            <p:ph type="title"/>
+          </p:nvPr>
+        </p:nvSpPr>
+        <p:spPr/>
+        <p:txBody>
+          <a:bodyPr/>
+          <a:lstStyle/>
+          <a:p>
+            <a:r>
+              <a:rPr lang="en-SG" dirty="0"/>
+              <a:t>Data Preparation</a:t>
+            </a:r>
+          </a:p>
+        </p:txBody>
+      </p:sp>
+      <p:sp>
+        <p:nvSpPr>
+          <p:cNvPr id="3" name="Content Placeholder 2">
+            <a:extLst>
+              <a:ext uri="{FF2B5EF4-FFF2-40B4-BE49-F238E27FC236}">
+                <a16:creationId xmlns:a16="http://schemas.microsoft.com/office/drawing/2014/main" id="{D3224137-5A20-45F0-8584-7EABF3EAA354}"/>
+              </a:ext>
+            </a:extLst>
+          </p:cNvPr>
+          <p:cNvSpPr>
+            <a:spLocks noGrp="1"/>
+          </p:cNvSpPr>
+          <p:nvPr>
+            <p:ph idx="1"/>
+          </p:nvPr>
+        </p:nvSpPr>
+        <p:spPr/>
+        <p:txBody>
+          <a:bodyPr/>
+          <a:lstStyle/>
+          <a:p>
+            <a:pPr marL="0" indent="0">
+              <a:buNone/>
+            </a:pPr>
+            <a:r>
+              <a:rPr lang="en-SG" dirty="0"/>
+              <a:t>Collecting band new images can be difficult and </a:t>
+            </a:r>
+            <a:r>
+              <a:rPr lang="en-SG" dirty="0" err="1"/>
+              <a:t>labourous</a:t>
+            </a:r>
+            <a:r>
+              <a:rPr lang="en-SG" dirty="0"/>
+              <a:t>, thus some images from RPS dataset was reused to speed up the process. Because someone was supposed to do it but preferred to go hang out and get drunk and when the data is sent over it isn’t 1:1 ratio</a:t>
+            </a:r>
+          </a:p>
+        </p:txBody>
+      </p:sp>
+    </p:spTree>
+    <p:extLst>
+      <p:ext uri="{BB962C8B-B14F-4D97-AF65-F5344CB8AC3E}">
+        <p14:creationId xmlns:p14="http://schemas.microsoft.com/office/powerpoint/2010/main" val="2520431078"/>
       </p:ext>
     </p:extLst>
   </p:cSld>

--- a/MLAI mini project.pptx
+++ b/MLAI mini project.pptx
@@ -21,11 +21,20 @@
     <p:sldId id="266" r:id="rId15"/>
     <p:sldId id="278" r:id="rId16"/>
     <p:sldId id="273" r:id="rId17"/>
-    <p:sldId id="280" r:id="rId18"/>
-    <p:sldId id="279" r:id="rId19"/>
-    <p:sldId id="281" r:id="rId20"/>
-    <p:sldId id="261" r:id="rId21"/>
-    <p:sldId id="257" r:id="rId22"/>
+    <p:sldId id="279" r:id="rId18"/>
+    <p:sldId id="261" r:id="rId19"/>
+    <p:sldId id="285" r:id="rId20"/>
+    <p:sldId id="280" r:id="rId21"/>
+    <p:sldId id="281" r:id="rId22"/>
+    <p:sldId id="284" r:id="rId23"/>
+    <p:sldId id="282" r:id="rId24"/>
+    <p:sldId id="283" r:id="rId25"/>
+    <p:sldId id="289" r:id="rId26"/>
+    <p:sldId id="286" r:id="rId27"/>
+    <p:sldId id="287" r:id="rId28"/>
+    <p:sldId id="288" r:id="rId29"/>
+    <p:sldId id="290" r:id="rId30"/>
+    <p:sldId id="257" r:id="rId31"/>
   </p:sldIdLst>
   <p:sldSz cx="12192000" cy="6858000"/>
   <p:notesSz cx="6858000" cy="9144000"/>
@@ -5873,7 +5882,7 @@
         <p:spPr>
           <a:xfrm>
             <a:off x="6280726" y="1510017"/>
-            <a:ext cx="5073073" cy="1754326"/>
+            <a:ext cx="5073073" cy="2308324"/>
           </a:xfrm>
           <a:prstGeom prst="rect">
             <a:avLst/>
@@ -5897,38 +5906,26 @@
           <a:p>
             <a:r>
               <a:rPr lang="en-SG" dirty="0"/>
-              <a:t>(xi </a:t>
-            </a:r>
-            <a:r>
-              <a:rPr lang="en-SG" dirty="0" err="1"/>
-              <a:t>quan</a:t>
-            </a:r>
+              <a:t>Predicts 4 most of the time</a:t>
+            </a:r>
+          </a:p>
+          <a:p>
+            <a:endParaRPr lang="en-SG" dirty="0"/>
+          </a:p>
+          <a:p>
             <a:r>
               <a:rPr lang="en-SG" dirty="0"/>
-              <a:t> you add </a:t>
-            </a:r>
-            <a:r>
-              <a:rPr lang="en-SG" dirty="0" err="1"/>
-              <a:t>ur</a:t>
-            </a:r>
+              <a:t>Rarely predicts 5</a:t>
+            </a:r>
+          </a:p>
+          <a:p>
+            <a:endParaRPr lang="en-SG" dirty="0"/>
+          </a:p>
+          <a:p>
             <a:r>
               <a:rPr lang="en-SG" dirty="0"/>
-              <a:t> notes here) </a:t>
-            </a:r>
-          </a:p>
-          <a:p>
-            <a:endParaRPr lang="en-SG" dirty="0"/>
-          </a:p>
-          <a:p>
-            <a:r>
-              <a:rPr lang="en-SG" dirty="0"/>
-              <a:t>Higher number equals to better prediction for that </a:t>
-            </a:r>
-            <a:r>
-              <a:rPr lang="en-SG" dirty="0" err="1"/>
-              <a:t>handsign</a:t>
-            </a:r>
-            <a:endParaRPr lang="en-SG" dirty="0"/>
+              <a:t>Higher number equals to better prediction for that hand sign</a:t>
+            </a:r>
           </a:p>
         </p:txBody>
       </p:sp>
@@ -5962,77 +5959,106 @@
           </a:prstGeom>
         </p:spPr>
       </p:pic>
-    </p:spTree>
-    <p:extLst>
-      <p:ext uri="{BB962C8B-B14F-4D97-AF65-F5344CB8AC3E}">
-        <p14:creationId xmlns:p14="http://schemas.microsoft.com/office/powerpoint/2010/main" val="1735522754"/>
-      </p:ext>
-    </p:extLst>
-  </p:cSld>
-  <p:clrMapOvr>
-    <a:masterClrMapping/>
-  </p:clrMapOvr>
-</p:sld>
-</file>
-
-<file path=ppt/slides/slide17.xml><?xml version="1.0" encoding="utf-8"?>
-<p:sld xmlns:a="http://schemas.openxmlformats.org/drawingml/2006/main" xmlns:r="http://schemas.openxmlformats.org/officeDocument/2006/relationships" xmlns:p="http://schemas.openxmlformats.org/presentationml/2006/main">
-  <p:cSld>
-    <p:spTree>
-      <p:nvGrpSpPr>
-        <p:cNvPr id="1" name=""/>
-        <p:cNvGrpSpPr/>
-        <p:nvPr/>
-      </p:nvGrpSpPr>
-      <p:grpSpPr>
-        <a:xfrm>
-          <a:off x="0" y="0"/>
-          <a:ext cx="0" cy="0"/>
-          <a:chOff x="0" y="0"/>
-          <a:chExt cx="0" cy="0"/>
-        </a:xfrm>
-      </p:grpSpPr>
-      <p:sp>
-        <p:nvSpPr>
-          <p:cNvPr id="2" name="Title 1">
-            <a:extLst>
-              <a:ext uri="{FF2B5EF4-FFF2-40B4-BE49-F238E27FC236}">
-                <a16:creationId xmlns:a16="http://schemas.microsoft.com/office/drawing/2014/main" id="{A7DA3BAE-6D02-46EC-8BEC-1C6B46594D4C}"/>
-              </a:ext>
-            </a:extLst>
-          </p:cNvPr>
-          <p:cNvSpPr>
-            <a:spLocks noGrp="1"/>
-          </p:cNvSpPr>
-          <p:nvPr>
-            <p:ph type="title"/>
-          </p:nvPr>
+      <p:sp>
+        <p:nvSpPr>
+          <p:cNvPr id="3" name="Rectangle: Rounded Corners 2">
+            <a:extLst>
+              <a:ext uri="{FF2B5EF4-FFF2-40B4-BE49-F238E27FC236}">
+                <a16:creationId xmlns:a16="http://schemas.microsoft.com/office/drawing/2014/main" id="{C885F3C9-75A2-45A9-8BDA-96BF16A91385}"/>
+              </a:ext>
+            </a:extLst>
+          </p:cNvPr>
+          <p:cNvSpPr/>
+          <p:nvPr/>
         </p:nvSpPr>
         <p:spPr>
           <a:xfrm>
-            <a:off x="838200" y="78249"/>
-            <a:ext cx="10515600" cy="1325563"/>
+            <a:off x="1033670" y="2067339"/>
+            <a:ext cx="3623523" cy="738336"/>
           </a:xfrm>
+          <a:prstGeom prst="roundRect">
+            <a:avLst/>
+          </a:prstGeom>
+          <a:noFill/>
         </p:spPr>
-        <p:txBody>
-          <a:bodyPr/>
+        <p:style>
+          <a:lnRef idx="2">
+            <a:schemeClr val="accent1">
+              <a:shade val="50000"/>
+            </a:schemeClr>
+          </a:lnRef>
+          <a:fillRef idx="1">
+            <a:schemeClr val="accent1"/>
+          </a:fillRef>
+          <a:effectRef idx="0">
+            <a:schemeClr val="accent1"/>
+          </a:effectRef>
+          <a:fontRef idx="minor">
+            <a:schemeClr val="lt1"/>
+          </a:fontRef>
+        </p:style>
+        <p:txBody>
+          <a:bodyPr rtlCol="0" anchor="ctr"/>
           <a:lstStyle/>
           <a:p>
             <a:pPr algn="ctr"/>
-            <a:r>
-              <a:rPr lang="en-SG" altLang="zh-CN" dirty="0"/>
-              <a:t>ADT345</a:t>
-            </a:r>
-            <a:endParaRPr lang="en-SG" dirty="0"/>
+            <a:endParaRPr lang="en-SG"/>
+          </a:p>
+        </p:txBody>
+      </p:sp>
+      <p:sp>
+        <p:nvSpPr>
+          <p:cNvPr id="4" name="Rectangle: Rounded Corners 3">
+            <a:extLst>
+              <a:ext uri="{FF2B5EF4-FFF2-40B4-BE49-F238E27FC236}">
+                <a16:creationId xmlns:a16="http://schemas.microsoft.com/office/drawing/2014/main" id="{A156E0EC-F063-47F9-B8EB-6F631B7A384B}"/>
+              </a:ext>
+            </a:extLst>
+          </p:cNvPr>
+          <p:cNvSpPr/>
+          <p:nvPr/>
+        </p:nvSpPr>
+        <p:spPr>
+          <a:xfrm>
+            <a:off x="1033670" y="2067339"/>
+            <a:ext cx="721296" cy="3782549"/>
+          </a:xfrm>
+          <a:prstGeom prst="roundRect">
+            <a:avLst/>
+          </a:prstGeom>
+          <a:noFill/>
+        </p:spPr>
+        <p:style>
+          <a:lnRef idx="2">
+            <a:schemeClr val="accent1">
+              <a:shade val="50000"/>
+            </a:schemeClr>
+          </a:lnRef>
+          <a:fillRef idx="1">
+            <a:schemeClr val="accent1"/>
+          </a:fillRef>
+          <a:effectRef idx="0">
+            <a:schemeClr val="accent1"/>
+          </a:effectRef>
+          <a:fontRef idx="minor">
+            <a:schemeClr val="lt1"/>
+          </a:fontRef>
+        </p:style>
+        <p:txBody>
+          <a:bodyPr rtlCol="0" anchor="ctr"/>
+          <a:lstStyle/>
+          <a:p>
+            <a:pPr algn="ctr"/>
+            <a:endParaRPr lang="en-SG"/>
           </a:p>
         </p:txBody>
       </p:sp>
       <p:graphicFrame>
         <p:nvGraphicFramePr>
-          <p:cNvPr id="5" name="Table 5">
-            <a:extLst>
-              <a:ext uri="{FF2B5EF4-FFF2-40B4-BE49-F238E27FC236}">
-                <a16:creationId xmlns:a16="http://schemas.microsoft.com/office/drawing/2014/main" id="{FEC89924-C2DF-430D-9EDD-5936D91999B9}"/>
+          <p:cNvPr id="8" name="Table 5">
+            <a:extLst>
+              <a:ext uri="{FF2B5EF4-FFF2-40B4-BE49-F238E27FC236}">
+                <a16:creationId xmlns:a16="http://schemas.microsoft.com/office/drawing/2014/main" id="{64D6AAD5-42B1-49B5-B40C-7969439BA64C}"/>
               </a:ext>
             </a:extLst>
           </p:cNvPr>
@@ -6042,13 +6068,13 @@
           <p:nvPr>
             <p:extLst>
               <p:ext uri="{D42A27DB-BD31-4B8C-83A1-F6EECF244321}">
-                <p14:modId xmlns:p14="http://schemas.microsoft.com/office/powerpoint/2010/main" val="1390796231"/>
+                <p14:modId xmlns:p14="http://schemas.microsoft.com/office/powerpoint/2010/main" val="3162641545"/>
               </p:ext>
             </p:extLst>
           </p:nvPr>
         </p:nvGraphicFramePr>
         <p:xfrm>
-          <a:off x="785769" y="1403812"/>
+          <a:off x="6328862" y="3813636"/>
           <a:ext cx="5310231" cy="2585720"/>
         </p:xfrm>
         <a:graphic>
@@ -6620,17 +6646,157 @@
     </p:spTree>
     <p:extLst>
       <p:ext uri="{BB962C8B-B14F-4D97-AF65-F5344CB8AC3E}">
-        <p14:creationId xmlns:p14="http://schemas.microsoft.com/office/powerpoint/2010/main" val="1926395789"/>
+        <p14:creationId xmlns:p14="http://schemas.microsoft.com/office/powerpoint/2010/main" val="1735522754"/>
       </p:ext>
     </p:extLst>
   </p:cSld>
   <p:clrMapOvr>
     <a:masterClrMapping/>
   </p:clrMapOvr>
+  <p:timing>
+    <p:tnLst>
+      <p:par>
+        <p:cTn id="1" dur="indefinite" restart="never" nodeType="tmRoot">
+          <p:childTnLst>
+            <p:seq concurrent="1" nextAc="seek">
+              <p:cTn id="2" dur="indefinite" nodeType="mainSeq">
+                <p:childTnLst>
+                  <p:par>
+                    <p:cTn id="3" fill="hold">
+                      <p:stCondLst>
+                        <p:cond delay="indefinite"/>
+                      </p:stCondLst>
+                      <p:childTnLst>
+                        <p:par>
+                          <p:cTn id="4" fill="hold">
+                            <p:stCondLst>
+                              <p:cond delay="0"/>
+                            </p:stCondLst>
+                            <p:childTnLst>
+                              <p:par>
+                                <p:cTn id="5" presetID="10" presetClass="exit" presetSubtype="0" fill="hold" grpId="0" nodeType="clickEffect">
+                                  <p:stCondLst>
+                                    <p:cond delay="0"/>
+                                  </p:stCondLst>
+                                  <p:childTnLst>
+                                    <p:animEffect transition="out" filter="fade">
+                                      <p:cBhvr>
+                                        <p:cTn id="6" dur="500"/>
+                                        <p:tgtEl>
+                                          <p:spTgt spid="3"/>
+                                        </p:tgtEl>
+                                      </p:cBhvr>
+                                    </p:animEffect>
+                                    <p:set>
+                                      <p:cBhvr>
+                                        <p:cTn id="7" dur="1" fill="hold">
+                                          <p:stCondLst>
+                                            <p:cond delay="499"/>
+                                          </p:stCondLst>
+                                        </p:cTn>
+                                        <p:tgtEl>
+                                          <p:spTgt spid="3"/>
+                                        </p:tgtEl>
+                                        <p:attrNameLst>
+                                          <p:attrName>style.visibility</p:attrName>
+                                        </p:attrNameLst>
+                                      </p:cBhvr>
+                                      <p:to>
+                                        <p:strVal val="hidden"/>
+                                      </p:to>
+                                    </p:set>
+                                  </p:childTnLst>
+                                </p:cTn>
+                              </p:par>
+                            </p:childTnLst>
+                          </p:cTn>
+                        </p:par>
+                      </p:childTnLst>
+                    </p:cTn>
+                  </p:par>
+                  <p:par>
+                    <p:cTn id="8" fill="hold">
+                      <p:stCondLst>
+                        <p:cond delay="indefinite"/>
+                      </p:stCondLst>
+                      <p:childTnLst>
+                        <p:par>
+                          <p:cTn id="9" fill="hold">
+                            <p:stCondLst>
+                              <p:cond delay="0"/>
+                            </p:stCondLst>
+                            <p:childTnLst>
+                              <p:par>
+                                <p:cTn id="10" presetID="10" presetClass="entr" presetSubtype="0" fill="hold" grpId="0" nodeType="clickEffect">
+                                  <p:stCondLst>
+                                    <p:cond delay="0"/>
+                                  </p:stCondLst>
+                                  <p:childTnLst>
+                                    <p:set>
+                                      <p:cBhvr>
+                                        <p:cTn id="11" dur="1" fill="hold">
+                                          <p:stCondLst>
+                                            <p:cond delay="0"/>
+                                          </p:stCondLst>
+                                        </p:cTn>
+                                        <p:tgtEl>
+                                          <p:spTgt spid="4"/>
+                                        </p:tgtEl>
+                                        <p:attrNameLst>
+                                          <p:attrName>style.visibility</p:attrName>
+                                        </p:attrNameLst>
+                                      </p:cBhvr>
+                                      <p:to>
+                                        <p:strVal val="visible"/>
+                                      </p:to>
+                                    </p:set>
+                                    <p:animEffect transition="in" filter="fade">
+                                      <p:cBhvr>
+                                        <p:cTn id="12" dur="500"/>
+                                        <p:tgtEl>
+                                          <p:spTgt spid="4"/>
+                                        </p:tgtEl>
+                                      </p:cBhvr>
+                                    </p:animEffect>
+                                  </p:childTnLst>
+                                </p:cTn>
+                              </p:par>
+                            </p:childTnLst>
+                          </p:cTn>
+                        </p:par>
+                      </p:childTnLst>
+                    </p:cTn>
+                  </p:par>
+                </p:childTnLst>
+              </p:cTn>
+              <p:prevCondLst>
+                <p:cond evt="onPrev" delay="0">
+                  <p:tgtEl>
+                    <p:sldTgt/>
+                  </p:tgtEl>
+                </p:cond>
+              </p:prevCondLst>
+              <p:nextCondLst>
+                <p:cond evt="onNext" delay="0">
+                  <p:tgtEl>
+                    <p:sldTgt/>
+                  </p:tgtEl>
+                </p:cond>
+              </p:nextCondLst>
+            </p:seq>
+          </p:childTnLst>
+        </p:cTn>
+      </p:par>
+    </p:tnLst>
+    <p:bldLst>
+      <p:bldP spid="3" grpId="0" animBg="1"/>
+      <p:bldP spid="4" grpId="0" animBg="1"/>
+    </p:bldLst>
+  </p:timing>
 </p:sld>
 </file>
 
-<file path=ppt/slides/slide18.xml><?xml version="1.0" encoding="utf-8"?>
+<file path=ppt/slides/slide17.xml><?xml version="1.0" encoding="utf-8"?>
 <p:sld xmlns:a="http://schemas.openxmlformats.org/drawingml/2006/main" xmlns:r="http://schemas.openxmlformats.org/officeDocument/2006/relationships" xmlns:p="http://schemas.openxmlformats.org/presentationml/2006/main">
   <p:cSld>
     <p:spTree>
@@ -6712,77 +6878,150 @@
           </a:prstGeom>
         </p:spPr>
       </p:pic>
-    </p:spTree>
-    <p:extLst>
-      <p:ext uri="{BB962C8B-B14F-4D97-AF65-F5344CB8AC3E}">
-        <p14:creationId xmlns:p14="http://schemas.microsoft.com/office/powerpoint/2010/main" val="1908782790"/>
-      </p:ext>
-    </p:extLst>
-  </p:cSld>
-  <p:clrMapOvr>
-    <a:masterClrMapping/>
-  </p:clrMapOvr>
-</p:sld>
-</file>
-
-<file path=ppt/slides/slide19.xml><?xml version="1.0" encoding="utf-8"?>
-<p:sld xmlns:a="http://schemas.openxmlformats.org/drawingml/2006/main" xmlns:r="http://schemas.openxmlformats.org/officeDocument/2006/relationships" xmlns:p="http://schemas.openxmlformats.org/presentationml/2006/main">
-  <p:cSld>
-    <p:spTree>
-      <p:nvGrpSpPr>
-        <p:cNvPr id="1" name=""/>
-        <p:cNvGrpSpPr/>
-        <p:nvPr/>
-      </p:nvGrpSpPr>
-      <p:grpSpPr>
-        <a:xfrm>
-          <a:off x="0" y="0"/>
-          <a:ext cx="0" cy="0"/>
-          <a:chOff x="0" y="0"/>
-          <a:chExt cx="0" cy="0"/>
-        </a:xfrm>
-      </p:grpSpPr>
-      <p:sp>
-        <p:nvSpPr>
-          <p:cNvPr id="2" name="Title 1">
-            <a:extLst>
-              <a:ext uri="{FF2B5EF4-FFF2-40B4-BE49-F238E27FC236}">
-                <a16:creationId xmlns:a16="http://schemas.microsoft.com/office/drawing/2014/main" id="{A7DA3BAE-6D02-46EC-8BEC-1C6B46594D4C}"/>
-              </a:ext>
-            </a:extLst>
-          </p:cNvPr>
-          <p:cNvSpPr>
-            <a:spLocks noGrp="1"/>
-          </p:cNvSpPr>
-          <p:nvPr>
-            <p:ph type="title"/>
-          </p:nvPr>
+      <p:sp>
+        <p:nvSpPr>
+          <p:cNvPr id="4" name="TextBox 3">
+            <a:extLst>
+              <a:ext uri="{FF2B5EF4-FFF2-40B4-BE49-F238E27FC236}">
+                <a16:creationId xmlns:a16="http://schemas.microsoft.com/office/drawing/2014/main" id="{C0E56F57-F457-4FEC-8E8D-ACC3E13F619F}"/>
+              </a:ext>
+            </a:extLst>
+          </p:cNvPr>
+          <p:cNvSpPr txBox="1"/>
+          <p:nvPr/>
         </p:nvSpPr>
         <p:spPr>
           <a:xfrm>
-            <a:off x="838200" y="78249"/>
-            <a:ext cx="10515600" cy="1325563"/>
+            <a:off x="6280726" y="1510017"/>
+            <a:ext cx="5073073" cy="923330"/>
           </a:xfrm>
+          <a:prstGeom prst="rect">
+            <a:avLst/>
+          </a:prstGeom>
+          <a:noFill/>
         </p:spPr>
         <p:txBody>
-          <a:bodyPr/>
+          <a:bodyPr wrap="square" rtlCol="0">
+            <a:spAutoFit/>
+          </a:bodyPr>
+          <a:lstStyle/>
+          <a:p>
+            <a:r>
+              <a:rPr lang="en-SG" dirty="0"/>
+              <a:t>This is a normalized confusion matrix for CVA345</a:t>
+            </a:r>
+          </a:p>
+          <a:p>
+            <a:endParaRPr lang="en-SG" dirty="0"/>
+          </a:p>
+          <a:p>
+            <a:r>
+              <a:rPr lang="en-SG" dirty="0"/>
+              <a:t>Rarely predicts 3</a:t>
+            </a:r>
+          </a:p>
+        </p:txBody>
+      </p:sp>
+      <p:sp>
+        <p:nvSpPr>
+          <p:cNvPr id="3" name="Rectangle: Rounded Corners 2">
+            <a:extLst>
+              <a:ext uri="{FF2B5EF4-FFF2-40B4-BE49-F238E27FC236}">
+                <a16:creationId xmlns:a16="http://schemas.microsoft.com/office/drawing/2014/main" id="{DCE814BA-235E-448E-80A3-8AD3F507653E}"/>
+              </a:ext>
+            </a:extLst>
+          </p:cNvPr>
+          <p:cNvSpPr/>
+          <p:nvPr/>
+        </p:nvSpPr>
+        <p:spPr>
+          <a:xfrm>
+            <a:off x="1005272" y="2186609"/>
+            <a:ext cx="3572408" cy="698579"/>
+          </a:xfrm>
+          <a:prstGeom prst="roundRect">
+            <a:avLst/>
+          </a:prstGeom>
+          <a:noFill/>
+        </p:spPr>
+        <p:style>
+          <a:lnRef idx="2">
+            <a:schemeClr val="accent1">
+              <a:shade val="50000"/>
+            </a:schemeClr>
+          </a:lnRef>
+          <a:fillRef idx="1">
+            <a:schemeClr val="accent1"/>
+          </a:fillRef>
+          <a:effectRef idx="0">
+            <a:schemeClr val="accent1"/>
+          </a:effectRef>
+          <a:fontRef idx="minor">
+            <a:schemeClr val="lt1"/>
+          </a:fontRef>
+        </p:style>
+        <p:txBody>
+          <a:bodyPr rtlCol="0" anchor="ctr"/>
           <a:lstStyle/>
           <a:p>
             <a:pPr algn="ctr"/>
-            <a:r>
-              <a:rPr lang="en-SG" altLang="zh-CN" dirty="0"/>
-              <a:t>CVA345</a:t>
-            </a:r>
-            <a:endParaRPr lang="en-SG" dirty="0"/>
+            <a:endParaRPr lang="en-SG"/>
+          </a:p>
+        </p:txBody>
+      </p:sp>
+      <p:sp>
+        <p:nvSpPr>
+          <p:cNvPr id="6" name="Rectangle: Rounded Corners 5">
+            <a:extLst>
+              <a:ext uri="{FF2B5EF4-FFF2-40B4-BE49-F238E27FC236}">
+                <a16:creationId xmlns:a16="http://schemas.microsoft.com/office/drawing/2014/main" id="{8C34D176-9CB4-4F6D-BC02-6F3DA6C6B428}"/>
+              </a:ext>
+            </a:extLst>
+          </p:cNvPr>
+          <p:cNvSpPr/>
+          <p:nvPr/>
+        </p:nvSpPr>
+        <p:spPr>
+          <a:xfrm>
+            <a:off x="1005272" y="2186609"/>
+            <a:ext cx="670181" cy="3634882"/>
+          </a:xfrm>
+          <a:prstGeom prst="roundRect">
+            <a:avLst/>
+          </a:prstGeom>
+          <a:noFill/>
+        </p:spPr>
+        <p:style>
+          <a:lnRef idx="2">
+            <a:schemeClr val="accent1">
+              <a:shade val="50000"/>
+            </a:schemeClr>
+          </a:lnRef>
+          <a:fillRef idx="1">
+            <a:schemeClr val="accent1"/>
+          </a:fillRef>
+          <a:effectRef idx="0">
+            <a:schemeClr val="accent1"/>
+          </a:effectRef>
+          <a:fontRef idx="minor">
+            <a:schemeClr val="lt1"/>
+          </a:fontRef>
+        </p:style>
+        <p:txBody>
+          <a:bodyPr rtlCol="0" anchor="ctr"/>
+          <a:lstStyle/>
+          <a:p>
+            <a:pPr algn="ctr"/>
+            <a:endParaRPr lang="en-SG"/>
           </a:p>
         </p:txBody>
       </p:sp>
       <p:graphicFrame>
         <p:nvGraphicFramePr>
-          <p:cNvPr id="10" name="Table 5">
-            <a:extLst>
-              <a:ext uri="{FF2B5EF4-FFF2-40B4-BE49-F238E27FC236}">
-                <a16:creationId xmlns:a16="http://schemas.microsoft.com/office/drawing/2014/main" id="{451C050C-604F-41CA-88E6-391FAC870989}"/>
+          <p:cNvPr id="7" name="Table 5">
+            <a:extLst>
+              <a:ext uri="{FF2B5EF4-FFF2-40B4-BE49-F238E27FC236}">
+                <a16:creationId xmlns:a16="http://schemas.microsoft.com/office/drawing/2014/main" id="{232ABEB4-2CD0-4E56-A562-8524E75B384B}"/>
               </a:ext>
             </a:extLst>
           </p:cNvPr>
@@ -6792,13 +7031,13 @@
           <p:nvPr>
             <p:extLst>
               <p:ext uri="{D42A27DB-BD31-4B8C-83A1-F6EECF244321}">
-                <p14:modId xmlns:p14="http://schemas.microsoft.com/office/powerpoint/2010/main" val="1602106572"/>
+                <p14:modId xmlns:p14="http://schemas.microsoft.com/office/powerpoint/2010/main" val="2167876671"/>
               </p:ext>
             </p:extLst>
           </p:nvPr>
         </p:nvGraphicFramePr>
         <p:xfrm>
-          <a:off x="785769" y="1403812"/>
+          <a:off x="6280726" y="2514155"/>
           <a:ext cx="5310231" cy="2590800"/>
         </p:xfrm>
         <a:graphic>
@@ -7404,7 +7643,329 @@
     </p:spTree>
     <p:extLst>
       <p:ext uri="{BB962C8B-B14F-4D97-AF65-F5344CB8AC3E}">
-        <p14:creationId xmlns:p14="http://schemas.microsoft.com/office/powerpoint/2010/main" val="2915575789"/>
+        <p14:creationId xmlns:p14="http://schemas.microsoft.com/office/powerpoint/2010/main" val="1908782790"/>
+      </p:ext>
+    </p:extLst>
+  </p:cSld>
+  <p:clrMapOvr>
+    <a:masterClrMapping/>
+  </p:clrMapOvr>
+  <mc:AlternateContent xmlns:mc="http://schemas.openxmlformats.org/markup-compatibility/2006">
+    <mc:Choice xmlns:p14="http://schemas.microsoft.com/office/powerpoint/2010/main" Requires="p14">
+      <p:transition p14:dur="10"/>
+    </mc:Choice>
+    <mc:Fallback>
+      <p:transition/>
+    </mc:Fallback>
+  </mc:AlternateContent>
+  <p:timing>
+    <p:tnLst>
+      <p:par>
+        <p:cTn id="1" dur="indefinite" restart="never" nodeType="tmRoot">
+          <p:childTnLst>
+            <p:seq concurrent="1" nextAc="seek">
+              <p:cTn id="2" dur="indefinite" nodeType="mainSeq">
+                <p:childTnLst>
+                  <p:par>
+                    <p:cTn id="3" fill="hold">
+                      <p:stCondLst>
+                        <p:cond delay="indefinite"/>
+                      </p:stCondLst>
+                      <p:childTnLst>
+                        <p:par>
+                          <p:cTn id="4" fill="hold">
+                            <p:stCondLst>
+                              <p:cond delay="0"/>
+                            </p:stCondLst>
+                            <p:childTnLst>
+                              <p:par>
+                                <p:cTn id="5" presetID="10" presetClass="exit" presetSubtype="0" fill="hold" grpId="0" nodeType="clickEffect">
+                                  <p:stCondLst>
+                                    <p:cond delay="0"/>
+                                  </p:stCondLst>
+                                  <p:childTnLst>
+                                    <p:animEffect transition="out" filter="fade">
+                                      <p:cBhvr>
+                                        <p:cTn id="6" dur="500"/>
+                                        <p:tgtEl>
+                                          <p:spTgt spid="3"/>
+                                        </p:tgtEl>
+                                      </p:cBhvr>
+                                    </p:animEffect>
+                                    <p:set>
+                                      <p:cBhvr>
+                                        <p:cTn id="7" dur="1" fill="hold">
+                                          <p:stCondLst>
+                                            <p:cond delay="499"/>
+                                          </p:stCondLst>
+                                        </p:cTn>
+                                        <p:tgtEl>
+                                          <p:spTgt spid="3"/>
+                                        </p:tgtEl>
+                                        <p:attrNameLst>
+                                          <p:attrName>style.visibility</p:attrName>
+                                        </p:attrNameLst>
+                                      </p:cBhvr>
+                                      <p:to>
+                                        <p:strVal val="hidden"/>
+                                      </p:to>
+                                    </p:set>
+                                  </p:childTnLst>
+                                </p:cTn>
+                              </p:par>
+                            </p:childTnLst>
+                          </p:cTn>
+                        </p:par>
+                      </p:childTnLst>
+                    </p:cTn>
+                  </p:par>
+                  <p:par>
+                    <p:cTn id="8" fill="hold">
+                      <p:stCondLst>
+                        <p:cond delay="indefinite"/>
+                      </p:stCondLst>
+                      <p:childTnLst>
+                        <p:par>
+                          <p:cTn id="9" fill="hold">
+                            <p:stCondLst>
+                              <p:cond delay="0"/>
+                            </p:stCondLst>
+                            <p:childTnLst>
+                              <p:par>
+                                <p:cTn id="10" presetID="1" presetClass="entr" presetSubtype="0" fill="hold" grpId="0" nodeType="clickEffect">
+                                  <p:stCondLst>
+                                    <p:cond delay="0"/>
+                                  </p:stCondLst>
+                                  <p:childTnLst>
+                                    <p:set>
+                                      <p:cBhvr>
+                                        <p:cTn id="11" dur="1" fill="hold">
+                                          <p:stCondLst>
+                                            <p:cond delay="0"/>
+                                          </p:stCondLst>
+                                        </p:cTn>
+                                        <p:tgtEl>
+                                          <p:spTgt spid="6"/>
+                                        </p:tgtEl>
+                                        <p:attrNameLst>
+                                          <p:attrName>style.visibility</p:attrName>
+                                        </p:attrNameLst>
+                                      </p:cBhvr>
+                                      <p:to>
+                                        <p:strVal val="visible"/>
+                                      </p:to>
+                                    </p:set>
+                                  </p:childTnLst>
+                                </p:cTn>
+                              </p:par>
+                            </p:childTnLst>
+                          </p:cTn>
+                        </p:par>
+                      </p:childTnLst>
+                    </p:cTn>
+                  </p:par>
+                </p:childTnLst>
+              </p:cTn>
+              <p:prevCondLst>
+                <p:cond evt="onPrev" delay="0">
+                  <p:tgtEl>
+                    <p:sldTgt/>
+                  </p:tgtEl>
+                </p:cond>
+              </p:prevCondLst>
+              <p:nextCondLst>
+                <p:cond evt="onNext" delay="0">
+                  <p:tgtEl>
+                    <p:sldTgt/>
+                  </p:tgtEl>
+                </p:cond>
+              </p:nextCondLst>
+            </p:seq>
+          </p:childTnLst>
+        </p:cTn>
+      </p:par>
+    </p:tnLst>
+    <p:bldLst>
+      <p:bldP spid="3" grpId="0" animBg="1"/>
+      <p:bldP spid="6" grpId="0" animBg="1"/>
+    </p:bldLst>
+  </p:timing>
+</p:sld>
+</file>
+
+<file path=ppt/slides/slide18.xml><?xml version="1.0" encoding="utf-8"?>
+<p:sld xmlns:a="http://schemas.openxmlformats.org/drawingml/2006/main" xmlns:r="http://schemas.openxmlformats.org/officeDocument/2006/relationships" xmlns:p="http://schemas.openxmlformats.org/presentationml/2006/main">
+  <p:cSld>
+    <p:spTree>
+      <p:nvGrpSpPr>
+        <p:cNvPr id="1" name=""/>
+        <p:cNvGrpSpPr/>
+        <p:nvPr/>
+      </p:nvGrpSpPr>
+      <p:grpSpPr>
+        <a:xfrm>
+          <a:off x="0" y="0"/>
+          <a:ext cx="0" cy="0"/>
+          <a:chOff x="0" y="0"/>
+          <a:chExt cx="0" cy="0"/>
+        </a:xfrm>
+      </p:grpSpPr>
+      <p:sp>
+        <p:nvSpPr>
+          <p:cNvPr id="2" name="Title 1">
+            <a:extLst>
+              <a:ext uri="{FF2B5EF4-FFF2-40B4-BE49-F238E27FC236}">
+                <a16:creationId xmlns:a16="http://schemas.microsoft.com/office/drawing/2014/main" id="{63C1A0F5-E740-4012-9770-55C5815B50C9}"/>
+              </a:ext>
+            </a:extLst>
+          </p:cNvPr>
+          <p:cNvSpPr>
+            <a:spLocks noGrp="1"/>
+          </p:cNvSpPr>
+          <p:nvPr>
+            <p:ph type="title"/>
+          </p:nvPr>
+        </p:nvSpPr>
+        <p:spPr/>
+        <p:txBody>
+          <a:bodyPr/>
+          <a:lstStyle/>
+          <a:p>
+            <a:r>
+              <a:rPr lang="en-SG" dirty="0"/>
+              <a:t>This is where the fun begins…</a:t>
+            </a:r>
+          </a:p>
+        </p:txBody>
+      </p:sp>
+      <p:sp>
+        <p:nvSpPr>
+          <p:cNvPr id="4" name="Content Placeholder 3">
+            <a:extLst>
+              <a:ext uri="{FF2B5EF4-FFF2-40B4-BE49-F238E27FC236}">
+                <a16:creationId xmlns:a16="http://schemas.microsoft.com/office/drawing/2014/main" id="{2836CCA6-2442-409D-88F9-2DE087CDD092}"/>
+              </a:ext>
+            </a:extLst>
+          </p:cNvPr>
+          <p:cNvSpPr>
+            <a:spLocks noGrp="1"/>
+          </p:cNvSpPr>
+          <p:nvPr>
+            <p:ph idx="1"/>
+          </p:nvPr>
+        </p:nvSpPr>
+        <p:spPr/>
+        <p:txBody>
+          <a:bodyPr/>
+          <a:lstStyle/>
+          <a:p>
+            <a:r>
+              <a:rPr lang="en-SG" dirty="0">
+                <a:solidFill>
+                  <a:srgbClr val="202124"/>
+                </a:solidFill>
+                <a:latin typeface="Google Sans"/>
+              </a:rPr>
+              <a:t>P</a:t>
+            </a:r>
+            <a:r>
+              <a:rPr lang="en-SG" b="0" i="0" dirty="0">
+                <a:solidFill>
+                  <a:srgbClr val="202124"/>
+                </a:solidFill>
+                <a:effectLst/>
+                <a:latin typeface="Google Sans"/>
+              </a:rPr>
+              <a:t>rerequisite</a:t>
+            </a:r>
+            <a:r>
+              <a:rPr lang="en-SG" dirty="0"/>
+              <a:t> </a:t>
+            </a:r>
+          </a:p>
+          <a:p>
+            <a:pPr marL="0" indent="0">
+              <a:buNone/>
+            </a:pPr>
+            <a:r>
+              <a:rPr lang="en-US" dirty="0"/>
+              <a:t>Please download and install Anaconda (Individual Edition) - 64-Bit Graphical Installer (with Python 3.X) before proceeding</a:t>
+            </a:r>
+          </a:p>
+          <a:p>
+            <a:pPr marL="0" indent="0">
+              <a:buNone/>
+            </a:pPr>
+            <a:r>
+              <a:rPr lang="en-US" dirty="0"/>
+              <a:t>https://www.anaconda.com/products/individual</a:t>
+            </a:r>
+            <a:endParaRPr lang="en-SG" dirty="0"/>
+          </a:p>
+        </p:txBody>
+      </p:sp>
+    </p:spTree>
+    <p:extLst>
+      <p:ext uri="{BB962C8B-B14F-4D97-AF65-F5344CB8AC3E}">
+        <p14:creationId xmlns:p14="http://schemas.microsoft.com/office/powerpoint/2010/main" val="3308464785"/>
+      </p:ext>
+    </p:extLst>
+  </p:cSld>
+  <p:clrMapOvr>
+    <a:masterClrMapping/>
+  </p:clrMapOvr>
+</p:sld>
+</file>
+
+<file path=ppt/slides/slide19.xml><?xml version="1.0" encoding="utf-8"?>
+<p:sld xmlns:a="http://schemas.openxmlformats.org/drawingml/2006/main" xmlns:r="http://schemas.openxmlformats.org/officeDocument/2006/relationships" xmlns:p="http://schemas.openxmlformats.org/presentationml/2006/main">
+  <p:cSld>
+    <p:spTree>
+      <p:nvGrpSpPr>
+        <p:cNvPr id="1" name=""/>
+        <p:cNvGrpSpPr/>
+        <p:nvPr/>
+      </p:nvGrpSpPr>
+      <p:grpSpPr>
+        <a:xfrm>
+          <a:off x="0" y="0"/>
+          <a:ext cx="0" cy="0"/>
+          <a:chOff x="0" y="0"/>
+          <a:chExt cx="0" cy="0"/>
+        </a:xfrm>
+      </p:grpSpPr>
+      <p:sp>
+        <p:nvSpPr>
+          <p:cNvPr id="2" name="Title 1">
+            <a:extLst>
+              <a:ext uri="{FF2B5EF4-FFF2-40B4-BE49-F238E27FC236}">
+                <a16:creationId xmlns:a16="http://schemas.microsoft.com/office/drawing/2014/main" id="{33D280CB-5857-4B14-8F53-CC447802738C}"/>
+              </a:ext>
+            </a:extLst>
+          </p:cNvPr>
+          <p:cNvSpPr>
+            <a:spLocks noGrp="1"/>
+          </p:cNvSpPr>
+          <p:nvPr>
+            <p:ph type="ctrTitle"/>
+          </p:nvPr>
+        </p:nvSpPr>
+        <p:spPr/>
+        <p:txBody>
+          <a:bodyPr/>
+          <a:lstStyle/>
+          <a:p>
+            <a:r>
+              <a:rPr lang="en-SG" dirty="0"/>
+              <a:t>Setup</a:t>
+            </a:r>
+          </a:p>
+        </p:txBody>
+      </p:sp>
+    </p:spTree>
+    <p:extLst>
+      <p:ext uri="{BB962C8B-B14F-4D97-AF65-F5344CB8AC3E}">
+        <p14:creationId xmlns:p14="http://schemas.microsoft.com/office/powerpoint/2010/main" val="3071447387"/>
       </p:ext>
     </p:extLst>
   </p:cSld>
@@ -7525,7 +8086,7 @@
           <p:cNvPr id="2" name="Title 1">
             <a:extLst>
               <a:ext uri="{FF2B5EF4-FFF2-40B4-BE49-F238E27FC236}">
-                <a16:creationId xmlns:a16="http://schemas.microsoft.com/office/drawing/2014/main" id="{63C1A0F5-E740-4012-9770-55C5815B50C9}"/>
+                <a16:creationId xmlns:a16="http://schemas.microsoft.com/office/drawing/2014/main" id="{4FBCC80C-52F3-418C-968F-45CC4B07BB6F}"/>
               </a:ext>
             </a:extLst>
           </p:cNvPr>
@@ -7543,17 +8104,17 @@
           <a:p>
             <a:r>
               <a:rPr lang="en-SG" dirty="0"/>
-              <a:t>This is where the fun begins…</a:t>
-            </a:r>
-          </a:p>
-        </p:txBody>
-      </p:sp>
-      <p:sp>
-        <p:nvSpPr>
-          <p:cNvPr id="4" name="Content Placeholder 3">
-            <a:extLst>
-              <a:ext uri="{FF2B5EF4-FFF2-40B4-BE49-F238E27FC236}">
-                <a16:creationId xmlns:a16="http://schemas.microsoft.com/office/drawing/2014/main" id="{2836CCA6-2442-409D-88F9-2DE087CDD092}"/>
+              <a:t>Method 1</a:t>
+            </a:r>
+          </a:p>
+        </p:txBody>
+      </p:sp>
+      <p:sp>
+        <p:nvSpPr>
+          <p:cNvPr id="3" name="Content Placeholder 2">
+            <a:extLst>
+              <a:ext uri="{FF2B5EF4-FFF2-40B4-BE49-F238E27FC236}">
+                <a16:creationId xmlns:a16="http://schemas.microsoft.com/office/drawing/2014/main" id="{B460DC09-41B5-4074-B73F-27AAF318F9B9}"/>
               </a:ext>
             </a:extLst>
           </p:cNvPr>
@@ -7569,14 +8130,149 @@
           <a:bodyPr/>
           <a:lstStyle/>
           <a:p>
-            <a:endParaRPr lang="en-SG" dirty="0"/>
-          </a:p>
-        </p:txBody>
-      </p:sp>
+            <a:r>
+              <a:rPr lang="en-SG" dirty="0"/>
+              <a:t>Open Anaconda Prompt (Anaconda 3) as “Administrator”.</a:t>
+            </a:r>
+          </a:p>
+          <a:p>
+            <a:r>
+              <a:rPr lang="en-SG" dirty="0"/>
+              <a:t>Type “pip install </a:t>
+            </a:r>
+            <a:r>
+              <a:rPr lang="en-SG" dirty="0" err="1"/>
+              <a:t>streamlit</a:t>
+            </a:r>
+            <a:r>
+              <a:rPr lang="en-SG" dirty="0"/>
+              <a:t>” and install (est. 1 min).</a:t>
+            </a:r>
+          </a:p>
+          <a:p>
+            <a:r>
+              <a:rPr lang="en-SG" dirty="0"/>
+              <a:t>Type “pip install </a:t>
+            </a:r>
+            <a:r>
+              <a:rPr lang="en-SG" dirty="0" err="1"/>
+              <a:t>tensorflow</a:t>
+            </a:r>
+            <a:r>
+              <a:rPr lang="en-SG" dirty="0"/>
+              <a:t>” and install (est. 5-10 mins).</a:t>
+            </a:r>
+          </a:p>
+          <a:p>
+            <a:r>
+              <a:rPr lang="en-SG" dirty="0"/>
+              <a:t>Type “pip install </a:t>
+            </a:r>
+            <a:r>
+              <a:rPr lang="en-SG" dirty="0" err="1"/>
+              <a:t>opencv</a:t>
+            </a:r>
+            <a:r>
+              <a:rPr lang="en-SG" dirty="0"/>
+              <a:t>-python” and install (est. 1 min).</a:t>
+            </a:r>
+          </a:p>
+        </p:txBody>
+      </p:sp>
+      <p:pic>
+        <p:nvPicPr>
+          <p:cNvPr id="5" name="Picture 4">
+            <a:extLst>
+              <a:ext uri="{FF2B5EF4-FFF2-40B4-BE49-F238E27FC236}">
+                <a16:creationId xmlns:a16="http://schemas.microsoft.com/office/drawing/2014/main" id="{78DBB170-E137-4157-A33F-5A21938673E3}"/>
+              </a:ext>
+            </a:extLst>
+          </p:cNvPr>
+          <p:cNvPicPr>
+            <a:picLocks noChangeAspect="1"/>
+          </p:cNvPicPr>
+          <p:nvPr/>
+        </p:nvPicPr>
+        <p:blipFill>
+          <a:blip r:embed="rId2"/>
+          <a:stretch>
+            <a:fillRect/>
+          </a:stretch>
+        </p:blipFill>
+        <p:spPr>
+          <a:xfrm>
+            <a:off x="893723" y="3845319"/>
+            <a:ext cx="3305175" cy="666750"/>
+          </a:xfrm>
+          <a:prstGeom prst="rect">
+            <a:avLst/>
+          </a:prstGeom>
+        </p:spPr>
+      </p:pic>
+      <p:pic>
+        <p:nvPicPr>
+          <p:cNvPr id="7" name="Picture 6">
+            <a:extLst>
+              <a:ext uri="{FF2B5EF4-FFF2-40B4-BE49-F238E27FC236}">
+                <a16:creationId xmlns:a16="http://schemas.microsoft.com/office/drawing/2014/main" id="{0EEEE0E1-90F0-45D8-9384-CAA42D52DA87}"/>
+              </a:ext>
+            </a:extLst>
+          </p:cNvPr>
+          <p:cNvPicPr>
+            <a:picLocks noChangeAspect="1"/>
+          </p:cNvPicPr>
+          <p:nvPr/>
+        </p:nvPicPr>
+        <p:blipFill>
+          <a:blip r:embed="rId3"/>
+          <a:stretch>
+            <a:fillRect/>
+          </a:stretch>
+        </p:blipFill>
+        <p:spPr>
+          <a:xfrm>
+            <a:off x="4254421" y="3845319"/>
+            <a:ext cx="3333750" cy="647700"/>
+          </a:xfrm>
+          <a:prstGeom prst="rect">
+            <a:avLst/>
+          </a:prstGeom>
+        </p:spPr>
+      </p:pic>
+      <p:pic>
+        <p:nvPicPr>
+          <p:cNvPr id="9" name="Picture 8">
+            <a:extLst>
+              <a:ext uri="{FF2B5EF4-FFF2-40B4-BE49-F238E27FC236}">
+                <a16:creationId xmlns:a16="http://schemas.microsoft.com/office/drawing/2014/main" id="{7E38BE31-BFF2-4261-B63B-13677AA3C132}"/>
+              </a:ext>
+            </a:extLst>
+          </p:cNvPr>
+          <p:cNvPicPr>
+            <a:picLocks noChangeAspect="1"/>
+          </p:cNvPicPr>
+          <p:nvPr/>
+        </p:nvPicPr>
+        <p:blipFill>
+          <a:blip r:embed="rId4"/>
+          <a:stretch>
+            <a:fillRect/>
+          </a:stretch>
+        </p:blipFill>
+        <p:spPr>
+          <a:xfrm>
+            <a:off x="7694573" y="3850081"/>
+            <a:ext cx="3552825" cy="638175"/>
+          </a:xfrm>
+          <a:prstGeom prst="rect">
+            <a:avLst/>
+          </a:prstGeom>
+        </p:spPr>
+      </p:pic>
     </p:spTree>
     <p:extLst>
       <p:ext uri="{BB962C8B-B14F-4D97-AF65-F5344CB8AC3E}">
-        <p14:creationId xmlns:p14="http://schemas.microsoft.com/office/powerpoint/2010/main" val="3308464785"/>
+        <p14:creationId xmlns:p14="http://schemas.microsoft.com/office/powerpoint/2010/main" val="1215096966"/>
       </p:ext>
     </p:extLst>
   </p:cSld>
@@ -7608,7 +8304,7 @@
           <p:cNvPr id="2" name="Title 1">
             <a:extLst>
               <a:ext uri="{FF2B5EF4-FFF2-40B4-BE49-F238E27FC236}">
-                <a16:creationId xmlns:a16="http://schemas.microsoft.com/office/drawing/2014/main" id="{2C94E3B1-9A8C-4491-A9A6-755ACB062CF4}"/>
+                <a16:creationId xmlns:a16="http://schemas.microsoft.com/office/drawing/2014/main" id="{61F4CAD4-9B69-4568-9C29-883CD3EDFE8F}"/>
               </a:ext>
             </a:extLst>
           </p:cNvPr>
@@ -7626,7 +8322,7 @@
           <a:p>
             <a:r>
               <a:rPr lang="en-SG" dirty="0"/>
-              <a:t>Data Preparation</a:t>
+              <a:t>Method 2</a:t>
             </a:r>
           </a:p>
         </p:txBody>
@@ -7636,7 +8332,7 @@
           <p:cNvPr id="3" name="Content Placeholder 2">
             <a:extLst>
               <a:ext uri="{FF2B5EF4-FFF2-40B4-BE49-F238E27FC236}">
-                <a16:creationId xmlns:a16="http://schemas.microsoft.com/office/drawing/2014/main" id="{D3224137-5A20-45F0-8584-7EABF3EAA354}"/>
+                <a16:creationId xmlns:a16="http://schemas.microsoft.com/office/drawing/2014/main" id="{B8163DE6-4F89-40BD-A4D5-D52BB86E159E}"/>
               </a:ext>
             </a:extLst>
           </p:cNvPr>
@@ -7652,28 +8348,926 @@
           <a:bodyPr/>
           <a:lstStyle/>
           <a:p>
-            <a:pPr marL="0" indent="0">
-              <a:buNone/>
-            </a:pPr>
             <a:r>
               <a:rPr lang="en-SG" dirty="0"/>
-              <a:t>Collecting band new images can be difficult and </a:t>
-            </a:r>
-            <a:r>
-              <a:rPr lang="en-SG" dirty="0" err="1"/>
-              <a:t>labourous</a:t>
-            </a:r>
-            <a:r>
-              <a:rPr lang="en-SG" dirty="0"/>
-              <a:t>, thus some images from RPS dataset was reused to speed up the process. Because someone was supposed to do it but preferred to go hang out and get drunk and when the data is sent over it isn’t 1:1 ratio</a:t>
-            </a:r>
-          </a:p>
-        </p:txBody>
-      </p:sp>
+              <a:t>Launch “SETUP.bat”</a:t>
+            </a:r>
+          </a:p>
+        </p:txBody>
+      </p:sp>
+      <p:pic>
+        <p:nvPicPr>
+          <p:cNvPr id="5" name="Picture 4">
+            <a:extLst>
+              <a:ext uri="{FF2B5EF4-FFF2-40B4-BE49-F238E27FC236}">
+                <a16:creationId xmlns:a16="http://schemas.microsoft.com/office/drawing/2014/main" id="{438F2081-5728-445C-8820-82F0877E7966}"/>
+              </a:ext>
+            </a:extLst>
+          </p:cNvPr>
+          <p:cNvPicPr>
+            <a:picLocks noChangeAspect="1"/>
+          </p:cNvPicPr>
+          <p:nvPr/>
+        </p:nvPicPr>
+        <p:blipFill>
+          <a:blip r:embed="rId2"/>
+          <a:stretch>
+            <a:fillRect/>
+          </a:stretch>
+        </p:blipFill>
+        <p:spPr>
+          <a:xfrm>
+            <a:off x="838200" y="2454196"/>
+            <a:ext cx="5991225" cy="2381250"/>
+          </a:xfrm>
+          <a:prstGeom prst="rect">
+            <a:avLst/>
+          </a:prstGeom>
+        </p:spPr>
+      </p:pic>
     </p:spTree>
     <p:extLst>
       <p:ext uri="{BB962C8B-B14F-4D97-AF65-F5344CB8AC3E}">
-        <p14:creationId xmlns:p14="http://schemas.microsoft.com/office/powerpoint/2010/main" val="2520431078"/>
+        <p14:creationId xmlns:p14="http://schemas.microsoft.com/office/powerpoint/2010/main" val="2546010829"/>
+      </p:ext>
+    </p:extLst>
+  </p:cSld>
+  <p:clrMapOvr>
+    <a:masterClrMapping/>
+  </p:clrMapOvr>
+</p:sld>
+</file>
+
+<file path=ppt/slides/slide22.xml><?xml version="1.0" encoding="utf-8"?>
+<p:sld xmlns:a="http://schemas.openxmlformats.org/drawingml/2006/main" xmlns:r="http://schemas.openxmlformats.org/officeDocument/2006/relationships" xmlns:p="http://schemas.openxmlformats.org/presentationml/2006/main">
+  <p:cSld>
+    <p:spTree>
+      <p:nvGrpSpPr>
+        <p:cNvPr id="1" name=""/>
+        <p:cNvGrpSpPr/>
+        <p:nvPr/>
+      </p:nvGrpSpPr>
+      <p:grpSpPr>
+        <a:xfrm>
+          <a:off x="0" y="0"/>
+          <a:ext cx="0" cy="0"/>
+          <a:chOff x="0" y="0"/>
+          <a:chExt cx="0" cy="0"/>
+        </a:xfrm>
+      </p:grpSpPr>
+      <p:sp>
+        <p:nvSpPr>
+          <p:cNvPr id="2" name="Title 1">
+            <a:extLst>
+              <a:ext uri="{FF2B5EF4-FFF2-40B4-BE49-F238E27FC236}">
+                <a16:creationId xmlns:a16="http://schemas.microsoft.com/office/drawing/2014/main" id="{9E835836-FC79-4AE7-B4DE-A3DEE502BAA4}"/>
+              </a:ext>
+            </a:extLst>
+          </p:cNvPr>
+          <p:cNvSpPr>
+            <a:spLocks noGrp="1"/>
+          </p:cNvSpPr>
+          <p:nvPr>
+            <p:ph type="ctrTitle"/>
+          </p:nvPr>
+        </p:nvSpPr>
+        <p:spPr/>
+        <p:txBody>
+          <a:bodyPr/>
+          <a:lstStyle/>
+          <a:p>
+            <a:r>
+              <a:rPr lang="en-SG" dirty="0"/>
+              <a:t>Running the classification app</a:t>
+            </a:r>
+          </a:p>
+        </p:txBody>
+      </p:sp>
+      <p:sp>
+        <p:nvSpPr>
+          <p:cNvPr id="3" name="Subtitle 2">
+            <a:extLst>
+              <a:ext uri="{FF2B5EF4-FFF2-40B4-BE49-F238E27FC236}">
+                <a16:creationId xmlns:a16="http://schemas.microsoft.com/office/drawing/2014/main" id="{D9B55331-D717-4188-A39E-A21815791C09}"/>
+              </a:ext>
+            </a:extLst>
+          </p:cNvPr>
+          <p:cNvSpPr>
+            <a:spLocks noGrp="1"/>
+          </p:cNvSpPr>
+          <p:nvPr>
+            <p:ph type="subTitle" idx="1"/>
+          </p:nvPr>
+        </p:nvSpPr>
+        <p:spPr/>
+        <p:txBody>
+          <a:bodyPr/>
+          <a:lstStyle/>
+          <a:p>
+            <a:endParaRPr lang="en-SG"/>
+          </a:p>
+        </p:txBody>
+      </p:sp>
+    </p:spTree>
+    <p:extLst>
+      <p:ext uri="{BB962C8B-B14F-4D97-AF65-F5344CB8AC3E}">
+        <p14:creationId xmlns:p14="http://schemas.microsoft.com/office/powerpoint/2010/main" val="3354763150"/>
+      </p:ext>
+    </p:extLst>
+  </p:cSld>
+  <p:clrMapOvr>
+    <a:masterClrMapping/>
+  </p:clrMapOvr>
+</p:sld>
+</file>
+
+<file path=ppt/slides/slide23.xml><?xml version="1.0" encoding="utf-8"?>
+<p:sld xmlns:a="http://schemas.openxmlformats.org/drawingml/2006/main" xmlns:r="http://schemas.openxmlformats.org/officeDocument/2006/relationships" xmlns:p="http://schemas.openxmlformats.org/presentationml/2006/main">
+  <p:cSld>
+    <p:spTree>
+      <p:nvGrpSpPr>
+        <p:cNvPr id="1" name=""/>
+        <p:cNvGrpSpPr/>
+        <p:nvPr/>
+      </p:nvGrpSpPr>
+      <p:grpSpPr>
+        <a:xfrm>
+          <a:off x="0" y="0"/>
+          <a:ext cx="0" cy="0"/>
+          <a:chOff x="0" y="0"/>
+          <a:chExt cx="0" cy="0"/>
+        </a:xfrm>
+      </p:grpSpPr>
+      <p:sp>
+        <p:nvSpPr>
+          <p:cNvPr id="2" name="Title 1">
+            <a:extLst>
+              <a:ext uri="{FF2B5EF4-FFF2-40B4-BE49-F238E27FC236}">
+                <a16:creationId xmlns:a16="http://schemas.microsoft.com/office/drawing/2014/main" id="{556F2280-82C5-47B2-91EF-BD680FD650B7}"/>
+              </a:ext>
+            </a:extLst>
+          </p:cNvPr>
+          <p:cNvSpPr>
+            <a:spLocks noGrp="1"/>
+          </p:cNvSpPr>
+          <p:nvPr>
+            <p:ph type="title"/>
+          </p:nvPr>
+        </p:nvSpPr>
+        <p:spPr/>
+        <p:txBody>
+          <a:bodyPr/>
+          <a:lstStyle/>
+          <a:p>
+            <a:r>
+              <a:rPr lang="en-SG" dirty="0"/>
+              <a:t>Method 1</a:t>
+            </a:r>
+          </a:p>
+        </p:txBody>
+      </p:sp>
+      <p:sp>
+        <p:nvSpPr>
+          <p:cNvPr id="3" name="Content Placeholder 2">
+            <a:extLst>
+              <a:ext uri="{FF2B5EF4-FFF2-40B4-BE49-F238E27FC236}">
+                <a16:creationId xmlns:a16="http://schemas.microsoft.com/office/drawing/2014/main" id="{06A504B2-3C0E-40F1-8FFB-3E3919730FF9}"/>
+              </a:ext>
+            </a:extLst>
+          </p:cNvPr>
+          <p:cNvSpPr>
+            <a:spLocks noGrp="1"/>
+          </p:cNvSpPr>
+          <p:nvPr>
+            <p:ph idx="1"/>
+          </p:nvPr>
+        </p:nvSpPr>
+        <p:spPr/>
+        <p:txBody>
+          <a:bodyPr/>
+          <a:lstStyle/>
+          <a:p>
+            <a:r>
+              <a:rPr lang="en-US" dirty="0"/>
+              <a:t>Open Anaconda Prompt (Anaconda 3) as “Administrator”.</a:t>
+            </a:r>
+          </a:p>
+          <a:p>
+            <a:r>
+              <a:rPr lang="en-US" dirty="0"/>
+              <a:t>Now copy the directory this text file is in, and replace &lt;</a:t>
+            </a:r>
+            <a:r>
+              <a:rPr lang="en-US" dirty="0" err="1"/>
+              <a:t>dir</a:t>
+            </a:r>
+            <a:r>
+              <a:rPr lang="en-US" dirty="0"/>
+              <a:t> here&gt; in the below text with it  </a:t>
+            </a:r>
+          </a:p>
+          <a:p>
+            <a:r>
+              <a:rPr lang="en-US" dirty="0"/>
+              <a:t>cd /d &lt;</a:t>
+            </a:r>
+            <a:r>
+              <a:rPr lang="en-US" dirty="0" err="1"/>
+              <a:t>dir</a:t>
+            </a:r>
+            <a:r>
+              <a:rPr lang="en-US" dirty="0"/>
+              <a:t> here&gt;</a:t>
+            </a:r>
+          </a:p>
+          <a:p>
+            <a:r>
+              <a:rPr lang="en-US" dirty="0"/>
+              <a:t>for example if the directory is “C:\Python\ADT345”</a:t>
+            </a:r>
+          </a:p>
+          <a:p>
+            <a:r>
+              <a:rPr lang="en-US" dirty="0"/>
+              <a:t>type “cd /d C:\Python\ADT345” in the console</a:t>
+            </a:r>
+          </a:p>
+          <a:p>
+            <a:r>
+              <a:rPr lang="en-US" dirty="0"/>
+              <a:t>type “</a:t>
+            </a:r>
+            <a:r>
+              <a:rPr lang="en-US" dirty="0" err="1"/>
+              <a:t>streamlit</a:t>
+            </a:r>
+            <a:r>
+              <a:rPr lang="en-US" dirty="0"/>
+              <a:t> run ADT345_app.py”</a:t>
+            </a:r>
+            <a:endParaRPr lang="en-SG" dirty="0"/>
+          </a:p>
+        </p:txBody>
+      </p:sp>
+      <p:pic>
+        <p:nvPicPr>
+          <p:cNvPr id="5" name="Picture 4">
+            <a:extLst>
+              <a:ext uri="{FF2B5EF4-FFF2-40B4-BE49-F238E27FC236}">
+                <a16:creationId xmlns:a16="http://schemas.microsoft.com/office/drawing/2014/main" id="{48CD4C99-236C-4840-926E-3C5351BF9B27}"/>
+              </a:ext>
+            </a:extLst>
+          </p:cNvPr>
+          <p:cNvPicPr>
+            <a:picLocks noChangeAspect="1"/>
+          </p:cNvPicPr>
+          <p:nvPr/>
+        </p:nvPicPr>
+        <p:blipFill>
+          <a:blip r:embed="rId2"/>
+          <a:stretch>
+            <a:fillRect/>
+          </a:stretch>
+        </p:blipFill>
+        <p:spPr>
+          <a:xfrm>
+            <a:off x="6597867" y="4659382"/>
+            <a:ext cx="4210050" cy="1276350"/>
+          </a:xfrm>
+          <a:prstGeom prst="rect">
+            <a:avLst/>
+          </a:prstGeom>
+        </p:spPr>
+      </p:pic>
+    </p:spTree>
+    <p:extLst>
+      <p:ext uri="{BB962C8B-B14F-4D97-AF65-F5344CB8AC3E}">
+        <p14:creationId xmlns:p14="http://schemas.microsoft.com/office/powerpoint/2010/main" val="1339690867"/>
+      </p:ext>
+    </p:extLst>
+  </p:cSld>
+  <p:clrMapOvr>
+    <a:masterClrMapping/>
+  </p:clrMapOvr>
+</p:sld>
+</file>
+
+<file path=ppt/slides/slide24.xml><?xml version="1.0" encoding="utf-8"?>
+<p:sld xmlns:a="http://schemas.openxmlformats.org/drawingml/2006/main" xmlns:r="http://schemas.openxmlformats.org/officeDocument/2006/relationships" xmlns:p="http://schemas.openxmlformats.org/presentationml/2006/main">
+  <p:cSld>
+    <p:spTree>
+      <p:nvGrpSpPr>
+        <p:cNvPr id="1" name=""/>
+        <p:cNvGrpSpPr/>
+        <p:nvPr/>
+      </p:nvGrpSpPr>
+      <p:grpSpPr>
+        <a:xfrm>
+          <a:off x="0" y="0"/>
+          <a:ext cx="0" cy="0"/>
+          <a:chOff x="0" y="0"/>
+          <a:chExt cx="0" cy="0"/>
+        </a:xfrm>
+      </p:grpSpPr>
+      <p:sp>
+        <p:nvSpPr>
+          <p:cNvPr id="2" name="Title 1">
+            <a:extLst>
+              <a:ext uri="{FF2B5EF4-FFF2-40B4-BE49-F238E27FC236}">
+                <a16:creationId xmlns:a16="http://schemas.microsoft.com/office/drawing/2014/main" id="{64AF65E7-3BF4-4583-BDBA-2CC827AA5B52}"/>
+              </a:ext>
+            </a:extLst>
+          </p:cNvPr>
+          <p:cNvSpPr>
+            <a:spLocks noGrp="1"/>
+          </p:cNvSpPr>
+          <p:nvPr>
+            <p:ph type="title"/>
+          </p:nvPr>
+        </p:nvSpPr>
+        <p:spPr/>
+        <p:txBody>
+          <a:bodyPr/>
+          <a:lstStyle/>
+          <a:p>
+            <a:r>
+              <a:rPr lang="en-SG" dirty="0"/>
+              <a:t>Method 2</a:t>
+            </a:r>
+          </a:p>
+        </p:txBody>
+      </p:sp>
+      <p:sp>
+        <p:nvSpPr>
+          <p:cNvPr id="3" name="Content Placeholder 2">
+            <a:extLst>
+              <a:ext uri="{FF2B5EF4-FFF2-40B4-BE49-F238E27FC236}">
+                <a16:creationId xmlns:a16="http://schemas.microsoft.com/office/drawing/2014/main" id="{90703C95-1A7A-4675-BBDE-C3382B59E12F}"/>
+              </a:ext>
+            </a:extLst>
+          </p:cNvPr>
+          <p:cNvSpPr>
+            <a:spLocks noGrp="1"/>
+          </p:cNvSpPr>
+          <p:nvPr>
+            <p:ph idx="1"/>
+          </p:nvPr>
+        </p:nvSpPr>
+        <p:spPr/>
+        <p:txBody>
+          <a:bodyPr/>
+          <a:lstStyle/>
+          <a:p>
+            <a:r>
+              <a:rPr lang="en-SG" dirty="0"/>
+              <a:t>Launch "RUN 3-4-5 classification app.bat"</a:t>
+            </a:r>
+          </a:p>
+        </p:txBody>
+      </p:sp>
+      <p:pic>
+        <p:nvPicPr>
+          <p:cNvPr id="5" name="Picture 4">
+            <a:extLst>
+              <a:ext uri="{FF2B5EF4-FFF2-40B4-BE49-F238E27FC236}">
+                <a16:creationId xmlns:a16="http://schemas.microsoft.com/office/drawing/2014/main" id="{E746CD43-DFCB-45D8-9ED1-70E1064524EB}"/>
+              </a:ext>
+            </a:extLst>
+          </p:cNvPr>
+          <p:cNvPicPr>
+            <a:picLocks noChangeAspect="1"/>
+          </p:cNvPicPr>
+          <p:nvPr/>
+        </p:nvPicPr>
+        <p:blipFill>
+          <a:blip r:embed="rId2"/>
+          <a:stretch>
+            <a:fillRect/>
+          </a:stretch>
+        </p:blipFill>
+        <p:spPr>
+          <a:xfrm>
+            <a:off x="838200" y="2447925"/>
+            <a:ext cx="5838825" cy="1962150"/>
+          </a:xfrm>
+          <a:prstGeom prst="rect">
+            <a:avLst/>
+          </a:prstGeom>
+        </p:spPr>
+      </p:pic>
+    </p:spTree>
+    <p:extLst>
+      <p:ext uri="{BB962C8B-B14F-4D97-AF65-F5344CB8AC3E}">
+        <p14:creationId xmlns:p14="http://schemas.microsoft.com/office/powerpoint/2010/main" val="600005175"/>
+      </p:ext>
+    </p:extLst>
+  </p:cSld>
+  <p:clrMapOvr>
+    <a:masterClrMapping/>
+  </p:clrMapOvr>
+</p:sld>
+</file>
+
+<file path=ppt/slides/slide25.xml><?xml version="1.0" encoding="utf-8"?>
+<p:sld xmlns:a="http://schemas.openxmlformats.org/drawingml/2006/main" xmlns:r="http://schemas.openxmlformats.org/officeDocument/2006/relationships" xmlns:p="http://schemas.openxmlformats.org/presentationml/2006/main">
+  <p:cSld>
+    <p:spTree>
+      <p:nvGrpSpPr>
+        <p:cNvPr id="1" name=""/>
+        <p:cNvGrpSpPr/>
+        <p:nvPr/>
+      </p:nvGrpSpPr>
+      <p:grpSpPr>
+        <a:xfrm>
+          <a:off x="0" y="0"/>
+          <a:ext cx="0" cy="0"/>
+          <a:chOff x="0" y="0"/>
+          <a:chExt cx="0" cy="0"/>
+        </a:xfrm>
+      </p:grpSpPr>
+      <p:sp>
+        <p:nvSpPr>
+          <p:cNvPr id="2" name="Title 1">
+            <a:extLst>
+              <a:ext uri="{FF2B5EF4-FFF2-40B4-BE49-F238E27FC236}">
+                <a16:creationId xmlns:a16="http://schemas.microsoft.com/office/drawing/2014/main" id="{92C9BAAA-5F90-4600-A4A3-C10C32AEEBFA}"/>
+              </a:ext>
+            </a:extLst>
+          </p:cNvPr>
+          <p:cNvSpPr>
+            <a:spLocks noGrp="1"/>
+          </p:cNvSpPr>
+          <p:nvPr>
+            <p:ph type="title"/>
+          </p:nvPr>
+        </p:nvSpPr>
+        <p:spPr/>
+        <p:txBody>
+          <a:bodyPr/>
+          <a:lstStyle/>
+          <a:p>
+            <a:endParaRPr lang="en-SG" dirty="0"/>
+          </a:p>
+        </p:txBody>
+      </p:sp>
+      <p:pic>
+        <p:nvPicPr>
+          <p:cNvPr id="5" name="Content Placeholder 4">
+            <a:extLst>
+              <a:ext uri="{FF2B5EF4-FFF2-40B4-BE49-F238E27FC236}">
+                <a16:creationId xmlns:a16="http://schemas.microsoft.com/office/drawing/2014/main" id="{1C295DAB-B3E0-4ED0-89C1-7E18D20E6658}"/>
+              </a:ext>
+            </a:extLst>
+          </p:cNvPr>
+          <p:cNvPicPr>
+            <a:picLocks noGrp="1" noChangeAspect="1"/>
+          </p:cNvPicPr>
+          <p:nvPr>
+            <p:ph idx="1"/>
+          </p:nvPr>
+        </p:nvPicPr>
+        <p:blipFill>
+          <a:blip r:embed="rId2"/>
+          <a:stretch>
+            <a:fillRect/>
+          </a:stretch>
+        </p:blipFill>
+        <p:spPr>
+          <a:xfrm>
+            <a:off x="2076450" y="1776412"/>
+            <a:ext cx="8039100" cy="3305175"/>
+          </a:xfrm>
+        </p:spPr>
+      </p:pic>
+    </p:spTree>
+    <p:extLst>
+      <p:ext uri="{BB962C8B-B14F-4D97-AF65-F5344CB8AC3E}">
+        <p14:creationId xmlns:p14="http://schemas.microsoft.com/office/powerpoint/2010/main" val="3649678914"/>
+      </p:ext>
+    </p:extLst>
+  </p:cSld>
+  <p:clrMapOvr>
+    <a:masterClrMapping/>
+  </p:clrMapOvr>
+</p:sld>
+</file>
+
+<file path=ppt/slides/slide26.xml><?xml version="1.0" encoding="utf-8"?>
+<p:sld xmlns:a="http://schemas.openxmlformats.org/drawingml/2006/main" xmlns:r="http://schemas.openxmlformats.org/officeDocument/2006/relationships" xmlns:p="http://schemas.openxmlformats.org/presentationml/2006/main">
+  <p:cSld>
+    <p:spTree>
+      <p:nvGrpSpPr>
+        <p:cNvPr id="1" name=""/>
+        <p:cNvGrpSpPr/>
+        <p:nvPr/>
+      </p:nvGrpSpPr>
+      <p:grpSpPr>
+        <a:xfrm>
+          <a:off x="0" y="0"/>
+          <a:ext cx="0" cy="0"/>
+          <a:chOff x="0" y="0"/>
+          <a:chExt cx="0" cy="0"/>
+        </a:xfrm>
+      </p:grpSpPr>
+      <p:sp>
+        <p:nvSpPr>
+          <p:cNvPr id="2" name="Title 1">
+            <a:extLst>
+              <a:ext uri="{FF2B5EF4-FFF2-40B4-BE49-F238E27FC236}">
+                <a16:creationId xmlns:a16="http://schemas.microsoft.com/office/drawing/2014/main" id="{41FB4C21-94A6-434E-A8A4-4EF1D4F1444E}"/>
+              </a:ext>
+            </a:extLst>
+          </p:cNvPr>
+          <p:cNvSpPr>
+            <a:spLocks noGrp="1"/>
+          </p:cNvSpPr>
+          <p:nvPr>
+            <p:ph type="ctrTitle"/>
+          </p:nvPr>
+        </p:nvSpPr>
+        <p:spPr/>
+        <p:txBody>
+          <a:bodyPr/>
+          <a:lstStyle/>
+          <a:p>
+            <a:r>
+              <a:rPr lang="en-SG" dirty="0"/>
+              <a:t>Real-time Classification App</a:t>
+            </a:r>
+          </a:p>
+        </p:txBody>
+      </p:sp>
+      <p:sp>
+        <p:nvSpPr>
+          <p:cNvPr id="3" name="Subtitle 2">
+            <a:extLst>
+              <a:ext uri="{FF2B5EF4-FFF2-40B4-BE49-F238E27FC236}">
+                <a16:creationId xmlns:a16="http://schemas.microsoft.com/office/drawing/2014/main" id="{DB925826-1D77-434C-B89E-8E87D8522752}"/>
+              </a:ext>
+            </a:extLst>
+          </p:cNvPr>
+          <p:cNvSpPr>
+            <a:spLocks noGrp="1"/>
+          </p:cNvSpPr>
+          <p:nvPr>
+            <p:ph type="subTitle" idx="1"/>
+          </p:nvPr>
+        </p:nvSpPr>
+        <p:spPr/>
+        <p:txBody>
+          <a:bodyPr/>
+          <a:lstStyle/>
+          <a:p>
+            <a:endParaRPr lang="en-SG"/>
+          </a:p>
+        </p:txBody>
+      </p:sp>
+    </p:spTree>
+    <p:extLst>
+      <p:ext uri="{BB962C8B-B14F-4D97-AF65-F5344CB8AC3E}">
+        <p14:creationId xmlns:p14="http://schemas.microsoft.com/office/powerpoint/2010/main" val="94550217"/>
+      </p:ext>
+    </p:extLst>
+  </p:cSld>
+  <p:clrMapOvr>
+    <a:masterClrMapping/>
+  </p:clrMapOvr>
+</p:sld>
+</file>
+
+<file path=ppt/slides/slide27.xml><?xml version="1.0" encoding="utf-8"?>
+<p:sld xmlns:a="http://schemas.openxmlformats.org/drawingml/2006/main" xmlns:r="http://schemas.openxmlformats.org/officeDocument/2006/relationships" xmlns:p="http://schemas.openxmlformats.org/presentationml/2006/main">
+  <p:cSld>
+    <p:spTree>
+      <p:nvGrpSpPr>
+        <p:cNvPr id="1" name=""/>
+        <p:cNvGrpSpPr/>
+        <p:nvPr/>
+      </p:nvGrpSpPr>
+      <p:grpSpPr>
+        <a:xfrm>
+          <a:off x="0" y="0"/>
+          <a:ext cx="0" cy="0"/>
+          <a:chOff x="0" y="0"/>
+          <a:chExt cx="0" cy="0"/>
+        </a:xfrm>
+      </p:grpSpPr>
+      <p:sp>
+        <p:nvSpPr>
+          <p:cNvPr id="2" name="Title 1">
+            <a:extLst>
+              <a:ext uri="{FF2B5EF4-FFF2-40B4-BE49-F238E27FC236}">
+                <a16:creationId xmlns:a16="http://schemas.microsoft.com/office/drawing/2014/main" id="{8125BEE8-CC32-4D18-8992-FAFEACA21BB9}"/>
+              </a:ext>
+            </a:extLst>
+          </p:cNvPr>
+          <p:cNvSpPr>
+            <a:spLocks noGrp="1"/>
+          </p:cNvSpPr>
+          <p:nvPr>
+            <p:ph type="title"/>
+          </p:nvPr>
+        </p:nvSpPr>
+        <p:spPr/>
+        <p:txBody>
+          <a:bodyPr/>
+          <a:lstStyle/>
+          <a:p>
+            <a:r>
+              <a:rPr lang="en-SG" dirty="0"/>
+              <a:t>Method 1</a:t>
+            </a:r>
+          </a:p>
+        </p:txBody>
+      </p:sp>
+      <p:sp>
+        <p:nvSpPr>
+          <p:cNvPr id="3" name="Content Placeholder 2">
+            <a:extLst>
+              <a:ext uri="{FF2B5EF4-FFF2-40B4-BE49-F238E27FC236}">
+                <a16:creationId xmlns:a16="http://schemas.microsoft.com/office/drawing/2014/main" id="{C424BCB0-BD09-4FE1-8E52-21508AB5E516}"/>
+              </a:ext>
+            </a:extLst>
+          </p:cNvPr>
+          <p:cNvSpPr>
+            <a:spLocks noGrp="1"/>
+          </p:cNvSpPr>
+          <p:nvPr>
+            <p:ph idx="1"/>
+          </p:nvPr>
+        </p:nvSpPr>
+        <p:spPr/>
+        <p:txBody>
+          <a:bodyPr/>
+          <a:lstStyle/>
+          <a:p>
+            <a:r>
+              <a:rPr lang="en-US" dirty="0"/>
+              <a:t>Open Anaconda Prompt (Anaconda 3) as “Administrator”.</a:t>
+            </a:r>
+          </a:p>
+          <a:p>
+            <a:r>
+              <a:rPr lang="en-US" dirty="0"/>
+              <a:t>Now copy the directory this text file is in, and replace &lt;</a:t>
+            </a:r>
+            <a:r>
+              <a:rPr lang="en-US" dirty="0" err="1"/>
+              <a:t>dir</a:t>
+            </a:r>
+            <a:r>
+              <a:rPr lang="en-US" dirty="0"/>
+              <a:t> here&gt; in the below text with it  </a:t>
+            </a:r>
+          </a:p>
+          <a:p>
+            <a:r>
+              <a:rPr lang="en-US" dirty="0"/>
+              <a:t>cd /d &lt;</a:t>
+            </a:r>
+            <a:r>
+              <a:rPr lang="en-US" dirty="0" err="1"/>
+              <a:t>dir</a:t>
+            </a:r>
+            <a:r>
+              <a:rPr lang="en-US" dirty="0"/>
+              <a:t> here&gt;</a:t>
+            </a:r>
+          </a:p>
+          <a:p>
+            <a:r>
+              <a:rPr lang="en-US" dirty="0"/>
+              <a:t>for example if the directory is “C:\Python\ADT345”</a:t>
+            </a:r>
+          </a:p>
+          <a:p>
+            <a:r>
+              <a:rPr lang="en-US" dirty="0"/>
+              <a:t>type “cd /d C:\Python\ADT345” in the console</a:t>
+            </a:r>
+          </a:p>
+          <a:p>
+            <a:r>
+              <a:rPr lang="en-US" dirty="0"/>
+              <a:t>type “</a:t>
+            </a:r>
+            <a:r>
+              <a:rPr lang="en-US" dirty="0" err="1"/>
+              <a:t>streamlit</a:t>
+            </a:r>
+            <a:r>
+              <a:rPr lang="en-US" dirty="0"/>
+              <a:t> run detect.py”</a:t>
+            </a:r>
+            <a:endParaRPr lang="en-SG" dirty="0"/>
+          </a:p>
+        </p:txBody>
+      </p:sp>
+    </p:spTree>
+    <p:extLst>
+      <p:ext uri="{BB962C8B-B14F-4D97-AF65-F5344CB8AC3E}">
+        <p14:creationId xmlns:p14="http://schemas.microsoft.com/office/powerpoint/2010/main" val="3017148877"/>
+      </p:ext>
+    </p:extLst>
+  </p:cSld>
+  <p:clrMapOvr>
+    <a:masterClrMapping/>
+  </p:clrMapOvr>
+</p:sld>
+</file>
+
+<file path=ppt/slides/slide28.xml><?xml version="1.0" encoding="utf-8"?>
+<p:sld xmlns:a="http://schemas.openxmlformats.org/drawingml/2006/main" xmlns:r="http://schemas.openxmlformats.org/officeDocument/2006/relationships" xmlns:p="http://schemas.openxmlformats.org/presentationml/2006/main">
+  <p:cSld>
+    <p:spTree>
+      <p:nvGrpSpPr>
+        <p:cNvPr id="1" name=""/>
+        <p:cNvGrpSpPr/>
+        <p:nvPr/>
+      </p:nvGrpSpPr>
+      <p:grpSpPr>
+        <a:xfrm>
+          <a:off x="0" y="0"/>
+          <a:ext cx="0" cy="0"/>
+          <a:chOff x="0" y="0"/>
+          <a:chExt cx="0" cy="0"/>
+        </a:xfrm>
+      </p:grpSpPr>
+      <p:sp>
+        <p:nvSpPr>
+          <p:cNvPr id="2" name="Title 1">
+            <a:extLst>
+              <a:ext uri="{FF2B5EF4-FFF2-40B4-BE49-F238E27FC236}">
+                <a16:creationId xmlns:a16="http://schemas.microsoft.com/office/drawing/2014/main" id="{8E48F461-56CF-4879-B195-5CEAD448CDAA}"/>
+              </a:ext>
+            </a:extLst>
+          </p:cNvPr>
+          <p:cNvSpPr>
+            <a:spLocks noGrp="1"/>
+          </p:cNvSpPr>
+          <p:nvPr>
+            <p:ph type="title"/>
+          </p:nvPr>
+        </p:nvSpPr>
+        <p:spPr/>
+        <p:txBody>
+          <a:bodyPr/>
+          <a:lstStyle/>
+          <a:p>
+            <a:r>
+              <a:rPr lang="en-SG" dirty="0"/>
+              <a:t>Method 2</a:t>
+            </a:r>
+          </a:p>
+        </p:txBody>
+      </p:sp>
+      <p:sp>
+        <p:nvSpPr>
+          <p:cNvPr id="3" name="Content Placeholder 2">
+            <a:extLst>
+              <a:ext uri="{FF2B5EF4-FFF2-40B4-BE49-F238E27FC236}">
+                <a16:creationId xmlns:a16="http://schemas.microsoft.com/office/drawing/2014/main" id="{400B9C58-B7EA-4A26-8EA5-8D93357D6718}"/>
+              </a:ext>
+            </a:extLst>
+          </p:cNvPr>
+          <p:cNvSpPr>
+            <a:spLocks noGrp="1"/>
+          </p:cNvSpPr>
+          <p:nvPr>
+            <p:ph idx="1"/>
+          </p:nvPr>
+        </p:nvSpPr>
+        <p:spPr/>
+        <p:txBody>
+          <a:bodyPr/>
+          <a:lstStyle/>
+          <a:p>
+            <a:r>
+              <a:rPr lang="en-SG" dirty="0"/>
+              <a:t>Launch “</a:t>
+            </a:r>
+            <a:r>
+              <a:rPr lang="en-US" dirty="0"/>
+              <a:t>RUN real-time 3-4-5 classification app.bat"</a:t>
+            </a:r>
+            <a:endParaRPr lang="en-SG" dirty="0"/>
+          </a:p>
+        </p:txBody>
+      </p:sp>
+      <p:pic>
+        <p:nvPicPr>
+          <p:cNvPr id="5" name="Picture 4">
+            <a:extLst>
+              <a:ext uri="{FF2B5EF4-FFF2-40B4-BE49-F238E27FC236}">
+                <a16:creationId xmlns:a16="http://schemas.microsoft.com/office/drawing/2014/main" id="{B9E9ED01-5BD8-4389-80BB-5B6EB61FB391}"/>
+              </a:ext>
+            </a:extLst>
+          </p:cNvPr>
+          <p:cNvPicPr>
+            <a:picLocks noChangeAspect="1"/>
+          </p:cNvPicPr>
+          <p:nvPr/>
+        </p:nvPicPr>
+        <p:blipFill>
+          <a:blip r:embed="rId2"/>
+          <a:stretch>
+            <a:fillRect/>
+          </a:stretch>
+        </p:blipFill>
+        <p:spPr>
+          <a:xfrm>
+            <a:off x="838200" y="2428875"/>
+            <a:ext cx="5905500" cy="2000250"/>
+          </a:xfrm>
+          <a:prstGeom prst="rect">
+            <a:avLst/>
+          </a:prstGeom>
+        </p:spPr>
+      </p:pic>
+    </p:spTree>
+    <p:extLst>
+      <p:ext uri="{BB962C8B-B14F-4D97-AF65-F5344CB8AC3E}">
+        <p14:creationId xmlns:p14="http://schemas.microsoft.com/office/powerpoint/2010/main" val="311962502"/>
+      </p:ext>
+    </p:extLst>
+  </p:cSld>
+  <p:clrMapOvr>
+    <a:masterClrMapping/>
+  </p:clrMapOvr>
+</p:sld>
+</file>
+
+<file path=ppt/slides/slide29.xml><?xml version="1.0" encoding="utf-8"?>
+<p:sld xmlns:a="http://schemas.openxmlformats.org/drawingml/2006/main" xmlns:r="http://schemas.openxmlformats.org/officeDocument/2006/relationships" xmlns:p="http://schemas.openxmlformats.org/presentationml/2006/main">
+  <p:cSld>
+    <p:spTree>
+      <p:nvGrpSpPr>
+        <p:cNvPr id="1" name=""/>
+        <p:cNvGrpSpPr/>
+        <p:nvPr/>
+      </p:nvGrpSpPr>
+      <p:grpSpPr>
+        <a:xfrm>
+          <a:off x="0" y="0"/>
+          <a:ext cx="0" cy="0"/>
+          <a:chOff x="0" y="0"/>
+          <a:chExt cx="0" cy="0"/>
+        </a:xfrm>
+      </p:grpSpPr>
+      <p:sp>
+        <p:nvSpPr>
+          <p:cNvPr id="2" name="Title 1">
+            <a:extLst>
+              <a:ext uri="{FF2B5EF4-FFF2-40B4-BE49-F238E27FC236}">
+                <a16:creationId xmlns:a16="http://schemas.microsoft.com/office/drawing/2014/main" id="{95CB708C-FA02-4C03-91E6-0DA00A2B9C5B}"/>
+              </a:ext>
+            </a:extLst>
+          </p:cNvPr>
+          <p:cNvSpPr>
+            <a:spLocks noGrp="1"/>
+          </p:cNvSpPr>
+          <p:nvPr>
+            <p:ph type="title"/>
+          </p:nvPr>
+        </p:nvSpPr>
+        <p:spPr/>
+        <p:txBody>
+          <a:bodyPr/>
+          <a:lstStyle/>
+          <a:p>
+            <a:endParaRPr lang="en-SG"/>
+          </a:p>
+        </p:txBody>
+      </p:sp>
+      <p:sp>
+        <p:nvSpPr>
+          <p:cNvPr id="3" name="Content Placeholder 2">
+            <a:extLst>
+              <a:ext uri="{FF2B5EF4-FFF2-40B4-BE49-F238E27FC236}">
+                <a16:creationId xmlns:a16="http://schemas.microsoft.com/office/drawing/2014/main" id="{1025D5FB-25B7-4D9D-99BC-F4C415FD2335}"/>
+              </a:ext>
+            </a:extLst>
+          </p:cNvPr>
+          <p:cNvSpPr>
+            <a:spLocks noGrp="1"/>
+          </p:cNvSpPr>
+          <p:nvPr>
+            <p:ph idx="1"/>
+          </p:nvPr>
+        </p:nvSpPr>
+        <p:spPr/>
+        <p:txBody>
+          <a:bodyPr/>
+          <a:lstStyle/>
+          <a:p>
+            <a:endParaRPr lang="en-SG"/>
+          </a:p>
+        </p:txBody>
+      </p:sp>
+    </p:spTree>
+    <p:extLst>
+      <p:ext uri="{BB962C8B-B14F-4D97-AF65-F5344CB8AC3E}">
+        <p14:creationId xmlns:p14="http://schemas.microsoft.com/office/powerpoint/2010/main" val="2886363378"/>
       </p:ext>
     </p:extLst>
   </p:cSld>
@@ -7763,6 +9357,103 @@
     <p:extLst>
       <p:ext uri="{BB962C8B-B14F-4D97-AF65-F5344CB8AC3E}">
         <p14:creationId xmlns:p14="http://schemas.microsoft.com/office/powerpoint/2010/main" val="1141297453"/>
+      </p:ext>
+    </p:extLst>
+  </p:cSld>
+  <p:clrMapOvr>
+    <a:masterClrMapping/>
+  </p:clrMapOvr>
+</p:sld>
+</file>
+
+<file path=ppt/slides/slide30.xml><?xml version="1.0" encoding="utf-8"?>
+<p:sld xmlns:a="http://schemas.openxmlformats.org/drawingml/2006/main" xmlns:r="http://schemas.openxmlformats.org/officeDocument/2006/relationships" xmlns:p="http://schemas.openxmlformats.org/presentationml/2006/main">
+  <p:cSld>
+    <p:spTree>
+      <p:nvGrpSpPr>
+        <p:cNvPr id="1" name=""/>
+        <p:cNvGrpSpPr/>
+        <p:nvPr/>
+      </p:nvGrpSpPr>
+      <p:grpSpPr>
+        <a:xfrm>
+          <a:off x="0" y="0"/>
+          <a:ext cx="0" cy="0"/>
+          <a:chOff x="0" y="0"/>
+          <a:chExt cx="0" cy="0"/>
+        </a:xfrm>
+      </p:grpSpPr>
+      <p:sp>
+        <p:nvSpPr>
+          <p:cNvPr id="2" name="Title 1">
+            <a:extLst>
+              <a:ext uri="{FF2B5EF4-FFF2-40B4-BE49-F238E27FC236}">
+                <a16:creationId xmlns:a16="http://schemas.microsoft.com/office/drawing/2014/main" id="{2C94E3B1-9A8C-4491-A9A6-755ACB062CF4}"/>
+              </a:ext>
+            </a:extLst>
+          </p:cNvPr>
+          <p:cNvSpPr>
+            <a:spLocks noGrp="1"/>
+          </p:cNvSpPr>
+          <p:nvPr>
+            <p:ph type="title"/>
+          </p:nvPr>
+        </p:nvSpPr>
+        <p:spPr/>
+        <p:txBody>
+          <a:bodyPr/>
+          <a:lstStyle/>
+          <a:p>
+            <a:r>
+              <a:rPr lang="en-SG" dirty="0"/>
+              <a:t>Data Preparation</a:t>
+            </a:r>
+          </a:p>
+        </p:txBody>
+      </p:sp>
+      <p:sp>
+        <p:nvSpPr>
+          <p:cNvPr id="3" name="Content Placeholder 2">
+            <a:extLst>
+              <a:ext uri="{FF2B5EF4-FFF2-40B4-BE49-F238E27FC236}">
+                <a16:creationId xmlns:a16="http://schemas.microsoft.com/office/drawing/2014/main" id="{D3224137-5A20-45F0-8584-7EABF3EAA354}"/>
+              </a:ext>
+            </a:extLst>
+          </p:cNvPr>
+          <p:cNvSpPr>
+            <a:spLocks noGrp="1"/>
+          </p:cNvSpPr>
+          <p:nvPr>
+            <p:ph idx="1"/>
+          </p:nvPr>
+        </p:nvSpPr>
+        <p:spPr/>
+        <p:txBody>
+          <a:bodyPr/>
+          <a:lstStyle/>
+          <a:p>
+            <a:pPr marL="0" indent="0">
+              <a:buNone/>
+            </a:pPr>
+            <a:r>
+              <a:rPr lang="en-SG" dirty="0"/>
+              <a:t>Collecting band new images can be difficult and </a:t>
+            </a:r>
+            <a:r>
+              <a:rPr lang="en-SG" dirty="0" err="1"/>
+              <a:t>labourous</a:t>
+            </a:r>
+            <a:r>
+              <a:rPr lang="en-SG" dirty="0"/>
+              <a:t>, thus some images from RPS dataset was reused to speed up the process. Because someone was supposed to do it but preferred to go hang out and get drunk and when the data is sent over it isn’t 1:1 ratio</a:t>
+            </a:r>
+          </a:p>
+        </p:txBody>
+      </p:sp>
+    </p:spTree>
+    <p:extLst>
+      <p:ext uri="{BB962C8B-B14F-4D97-AF65-F5344CB8AC3E}">
+        <p14:creationId xmlns:p14="http://schemas.microsoft.com/office/powerpoint/2010/main" val="2520431078"/>
       </p:ext>
     </p:extLst>
   </p:cSld>

--- a/MLAI mini project.pptx
+++ b/MLAI mini project.pptx
@@ -33,8 +33,7 @@
     <p:sldId id="286" r:id="rId27"/>
     <p:sldId id="287" r:id="rId28"/>
     <p:sldId id="288" r:id="rId29"/>
-    <p:sldId id="290" r:id="rId30"/>
-    <p:sldId id="257" r:id="rId31"/>
+    <p:sldId id="257" r:id="rId30"/>
   </p:sldIdLst>
   <p:sldSz cx="12192000" cy="6858000"/>
   <p:notesSz cx="6858000" cy="9144000"/>
@@ -290,7 +289,7 @@
           <a:p>
             <a:fld id="{A2872D0C-785B-4C85-98CF-0770683F3808}" type="datetimeFigureOut">
               <a:rPr lang="en-SG" smtClean="0"/>
-              <a:t>2/7/2021</a:t>
+              <a:t>3/7/2021</a:t>
             </a:fld>
             <a:endParaRPr lang="en-SG"/>
           </a:p>
@@ -490,7 +489,7 @@
           <a:p>
             <a:fld id="{A2872D0C-785B-4C85-98CF-0770683F3808}" type="datetimeFigureOut">
               <a:rPr lang="en-SG" smtClean="0"/>
-              <a:t>2/7/2021</a:t>
+              <a:t>3/7/2021</a:t>
             </a:fld>
             <a:endParaRPr lang="en-SG"/>
           </a:p>
@@ -700,7 +699,7 @@
           <a:p>
             <a:fld id="{A2872D0C-785B-4C85-98CF-0770683F3808}" type="datetimeFigureOut">
               <a:rPr lang="en-SG" smtClean="0"/>
-              <a:t>2/7/2021</a:t>
+              <a:t>3/7/2021</a:t>
             </a:fld>
             <a:endParaRPr lang="en-SG"/>
           </a:p>
@@ -900,7 +899,7 @@
           <a:p>
             <a:fld id="{A2872D0C-785B-4C85-98CF-0770683F3808}" type="datetimeFigureOut">
               <a:rPr lang="en-SG" smtClean="0"/>
-              <a:t>2/7/2021</a:t>
+              <a:t>3/7/2021</a:t>
             </a:fld>
             <a:endParaRPr lang="en-SG"/>
           </a:p>
@@ -1176,7 +1175,7 @@
           <a:p>
             <a:fld id="{A2872D0C-785B-4C85-98CF-0770683F3808}" type="datetimeFigureOut">
               <a:rPr lang="en-SG" smtClean="0"/>
-              <a:t>2/7/2021</a:t>
+              <a:t>3/7/2021</a:t>
             </a:fld>
             <a:endParaRPr lang="en-SG"/>
           </a:p>
@@ -1444,7 +1443,7 @@
           <a:p>
             <a:fld id="{A2872D0C-785B-4C85-98CF-0770683F3808}" type="datetimeFigureOut">
               <a:rPr lang="en-SG" smtClean="0"/>
-              <a:t>2/7/2021</a:t>
+              <a:t>3/7/2021</a:t>
             </a:fld>
             <a:endParaRPr lang="en-SG"/>
           </a:p>
@@ -1859,7 +1858,7 @@
           <a:p>
             <a:fld id="{A2872D0C-785B-4C85-98CF-0770683F3808}" type="datetimeFigureOut">
               <a:rPr lang="en-SG" smtClean="0"/>
-              <a:t>2/7/2021</a:t>
+              <a:t>3/7/2021</a:t>
             </a:fld>
             <a:endParaRPr lang="en-SG"/>
           </a:p>
@@ -2001,7 +2000,7 @@
           <a:p>
             <a:fld id="{A2872D0C-785B-4C85-98CF-0770683F3808}" type="datetimeFigureOut">
               <a:rPr lang="en-SG" smtClean="0"/>
-              <a:t>2/7/2021</a:t>
+              <a:t>3/7/2021</a:t>
             </a:fld>
             <a:endParaRPr lang="en-SG"/>
           </a:p>
@@ -2114,7 +2113,7 @@
           <a:p>
             <a:fld id="{A2872D0C-785B-4C85-98CF-0770683F3808}" type="datetimeFigureOut">
               <a:rPr lang="en-SG" smtClean="0"/>
-              <a:t>2/7/2021</a:t>
+              <a:t>3/7/2021</a:t>
             </a:fld>
             <a:endParaRPr lang="en-SG"/>
           </a:p>
@@ -2427,7 +2426,7 @@
           <a:p>
             <a:fld id="{A2872D0C-785B-4C85-98CF-0770683F3808}" type="datetimeFigureOut">
               <a:rPr lang="en-SG" smtClean="0"/>
-              <a:t>2/7/2021</a:t>
+              <a:t>3/7/2021</a:t>
             </a:fld>
             <a:endParaRPr lang="en-SG"/>
           </a:p>
@@ -2716,7 +2715,7 @@
           <a:p>
             <a:fld id="{A2872D0C-785B-4C85-98CF-0770683F3808}" type="datetimeFigureOut">
               <a:rPr lang="en-SG" smtClean="0"/>
-              <a:t>2/7/2021</a:t>
+              <a:t>3/7/2021</a:t>
             </a:fld>
             <a:endParaRPr lang="en-SG"/>
           </a:p>
@@ -2959,7 +2958,7 @@
           <a:p>
             <a:fld id="{A2872D0C-785B-4C85-98CF-0770683F3808}" type="datetimeFigureOut">
               <a:rPr lang="en-SG" smtClean="0"/>
-              <a:t>2/7/2021</a:t>
+              <a:t>3/7/2021</a:t>
             </a:fld>
             <a:endParaRPr lang="en-SG"/>
           </a:p>
@@ -5906,7 +5905,7 @@
           <a:p>
             <a:r>
               <a:rPr lang="en-SG" dirty="0"/>
-              <a:t>Predicts 4 most of the time</a:t>
+              <a:t>Predicts correctly 4 most of the time</a:t>
             </a:r>
           </a:p>
           <a:p>
@@ -5915,7 +5914,7 @@
           <a:p>
             <a:r>
               <a:rPr lang="en-SG" dirty="0"/>
-              <a:t>Rarely predicts 5</a:t>
+              <a:t>Rarely predicts 5 correctly</a:t>
             </a:r>
           </a:p>
           <a:p>
@@ -6683,7 +6682,7 @@
                                       <p:cBhvr>
                                         <p:cTn id="6" dur="500"/>
                                         <p:tgtEl>
-                                          <p:spTgt spid="3"/>
+                                          <p:spTgt spid="4"/>
                                         </p:tgtEl>
                                       </p:cBhvr>
                                     </p:animEffect>
@@ -6695,7 +6694,7 @@
                                           </p:stCondLst>
                                         </p:cTn>
                                         <p:tgtEl>
-                                          <p:spTgt spid="3"/>
+                                          <p:spTgt spid="4"/>
                                         </p:tgtEl>
                                         <p:attrNameLst>
                                           <p:attrName>style.visibility</p:attrName>
@@ -6740,7 +6739,7 @@
                                           </p:stCondLst>
                                         </p:cTn>
                                         <p:tgtEl>
-                                          <p:spTgt spid="4"/>
+                                          <p:spTgt spid="3"/>
                                         </p:tgtEl>
                                         <p:attrNameLst>
                                           <p:attrName>style.visibility</p:attrName>
@@ -6754,7 +6753,7 @@
                                       <p:cBhvr>
                                         <p:cTn id="12" dur="500"/>
                                         <p:tgtEl>
-                                          <p:spTgt spid="4"/>
+                                          <p:spTgt spid="3"/>
                                         </p:tgtEl>
                                       </p:cBhvr>
                                     </p:animEffect>
@@ -6917,7 +6916,7 @@
           <a:p>
             <a:r>
               <a:rPr lang="en-SG" dirty="0"/>
-              <a:t>Rarely predicts 3</a:t>
+              <a:t>Rarely predicts 3 correctly</a:t>
             </a:r>
           </a:p>
         </p:txBody>
@@ -7650,11 +7649,11 @@
   <p:clrMapOvr>
     <a:masterClrMapping/>
   </p:clrMapOvr>
-  <mc:AlternateContent xmlns:mc="http://schemas.openxmlformats.org/markup-compatibility/2006">
-    <mc:Choice xmlns:p14="http://schemas.microsoft.com/office/powerpoint/2010/main" Requires="p14">
+  <mc:AlternateContent xmlns:mc="http://schemas.openxmlformats.org/markup-compatibility/2006" xmlns:p14="http://schemas.microsoft.com/office/powerpoint/2010/main">
+    <mc:Choice Requires="p14">
       <p:transition p14:dur="10"/>
     </mc:Choice>
-    <mc:Fallback>
+    <mc:Fallback xmlns="">
       <p:transition/>
     </mc:Fallback>
   </mc:AlternateContent>
@@ -7688,7 +7687,7 @@
                                       <p:cBhvr>
                                         <p:cTn id="6" dur="500"/>
                                         <p:tgtEl>
-                                          <p:spTgt spid="3"/>
+                                          <p:spTgt spid="6"/>
                                         </p:tgtEl>
                                       </p:cBhvr>
                                     </p:animEffect>
@@ -7700,7 +7699,7 @@
                                           </p:stCondLst>
                                         </p:cTn>
                                         <p:tgtEl>
-                                          <p:spTgt spid="3"/>
+                                          <p:spTgt spid="6"/>
                                         </p:tgtEl>
                                         <p:attrNameLst>
                                           <p:attrName>style.visibility</p:attrName>
@@ -7732,7 +7731,7 @@
                             </p:stCondLst>
                             <p:childTnLst>
                               <p:par>
-                                <p:cTn id="10" presetID="1" presetClass="entr" presetSubtype="0" fill="hold" grpId="0" nodeType="clickEffect">
+                                <p:cTn id="10" presetID="10" presetClass="entr" presetSubtype="0" fill="hold" grpId="0" nodeType="clickEffect">
                                   <p:stCondLst>
                                     <p:cond delay="0"/>
                                   </p:stCondLst>
@@ -7745,7 +7744,7 @@
                                           </p:stCondLst>
                                         </p:cTn>
                                         <p:tgtEl>
-                                          <p:spTgt spid="6"/>
+                                          <p:spTgt spid="3"/>
                                         </p:tgtEl>
                                         <p:attrNameLst>
                                           <p:attrName>style.visibility</p:attrName>
@@ -7755,6 +7754,14 @@
                                         <p:strVal val="visible"/>
                                       </p:to>
                                     </p:set>
+                                    <p:animEffect transition="in" filter="fade">
+                                      <p:cBhvr>
+                                        <p:cTn id="12" dur="500"/>
+                                        <p:tgtEl>
+                                          <p:spTgt spid="3"/>
+                                        </p:tgtEl>
+                                      </p:cBhvr>
+                                    </p:animEffect>
                                   </p:childTnLst>
                                 </p:cTn>
                               </p:par>
@@ -7897,8 +7904,35 @@
               <a:buNone/>
             </a:pPr>
             <a:r>
+              <a:rPr lang="en-US" dirty="0">
+                <a:hlinkClick r:id="rId2"/>
+              </a:rPr>
+              <a:t>https://www.anaconda.com/products/individual</a:t>
+            </a:r>
+            <a:endParaRPr lang="en-US" dirty="0"/>
+          </a:p>
+          <a:p>
+            <a:pPr marL="0" indent="0">
+              <a:buNone/>
+            </a:pPr>
+            <a:endParaRPr lang="en-US" dirty="0"/>
+          </a:p>
+          <a:p>
+            <a:pPr marL="0" indent="0">
+              <a:buNone/>
+            </a:pPr>
+            <a:r>
               <a:rPr lang="en-US" dirty="0"/>
-              <a:t>https://www.anaconda.com/products/individual</a:t>
+              <a:t>Download and install Python 3 installed on your PC for batch files </a:t>
+            </a:r>
+          </a:p>
+          <a:p>
+            <a:pPr marL="0" indent="0">
+              <a:buNone/>
+            </a:pPr>
+            <a:r>
+              <a:rPr lang="en-US" dirty="0"/>
+              <a:t>https://ninite.com/pythonx3/</a:t>
             </a:r>
             <a:endParaRPr lang="en-SG" dirty="0"/>
           </a:p>
@@ -9219,7 +9253,7 @@
           <p:cNvPr id="2" name="Title 1">
             <a:extLst>
               <a:ext uri="{FF2B5EF4-FFF2-40B4-BE49-F238E27FC236}">
-                <a16:creationId xmlns:a16="http://schemas.microsoft.com/office/drawing/2014/main" id="{95CB708C-FA02-4C03-91E6-0DA00A2B9C5B}"/>
+                <a16:creationId xmlns:a16="http://schemas.microsoft.com/office/drawing/2014/main" id="{2C94E3B1-9A8C-4491-A9A6-755ACB062CF4}"/>
               </a:ext>
             </a:extLst>
           </p:cNvPr>
@@ -9235,7 +9269,10 @@
           <a:bodyPr/>
           <a:lstStyle/>
           <a:p>
-            <a:endParaRPr lang="en-SG"/>
+            <a:r>
+              <a:rPr lang="en-SG" dirty="0"/>
+              <a:t>Data Preparation</a:t>
+            </a:r>
           </a:p>
         </p:txBody>
       </p:sp>
@@ -9244,7 +9281,7 @@
           <p:cNvPr id="3" name="Content Placeholder 2">
             <a:extLst>
               <a:ext uri="{FF2B5EF4-FFF2-40B4-BE49-F238E27FC236}">
-                <a16:creationId xmlns:a16="http://schemas.microsoft.com/office/drawing/2014/main" id="{1025D5FB-25B7-4D9D-99BC-F4C415FD2335}"/>
+                <a16:creationId xmlns:a16="http://schemas.microsoft.com/office/drawing/2014/main" id="{D3224137-5A20-45F0-8584-7EABF3EAA354}"/>
               </a:ext>
             </a:extLst>
           </p:cNvPr>
@@ -9260,14 +9297,28 @@
           <a:bodyPr/>
           <a:lstStyle/>
           <a:p>
-            <a:endParaRPr lang="en-SG"/>
+            <a:pPr marL="0" indent="0">
+              <a:buNone/>
+            </a:pPr>
+            <a:r>
+              <a:rPr lang="en-SG" dirty="0"/>
+              <a:t>Collecting band new images can be difficult and </a:t>
+            </a:r>
+            <a:r>
+              <a:rPr lang="en-SG" dirty="0" err="1"/>
+              <a:t>labourous</a:t>
+            </a:r>
+            <a:r>
+              <a:rPr lang="en-SG" dirty="0"/>
+              <a:t>, thus some images from RPS dataset was reused to speed up the process. Because someone was supposed to do it but preferred to go hang out and get drunk and when the data is sent over it isn’t 1:1 ratio</a:t>
+            </a:r>
           </a:p>
         </p:txBody>
       </p:sp>
     </p:spTree>
     <p:extLst>
       <p:ext uri="{BB962C8B-B14F-4D97-AF65-F5344CB8AC3E}">
-        <p14:creationId xmlns:p14="http://schemas.microsoft.com/office/powerpoint/2010/main" val="2886363378"/>
+        <p14:creationId xmlns:p14="http://schemas.microsoft.com/office/powerpoint/2010/main" val="2520431078"/>
       </p:ext>
     </p:extLst>
   </p:cSld>
@@ -9357,103 +9408,6 @@
     <p:extLst>
       <p:ext uri="{BB962C8B-B14F-4D97-AF65-F5344CB8AC3E}">
         <p14:creationId xmlns:p14="http://schemas.microsoft.com/office/powerpoint/2010/main" val="1141297453"/>
-      </p:ext>
-    </p:extLst>
-  </p:cSld>
-  <p:clrMapOvr>
-    <a:masterClrMapping/>
-  </p:clrMapOvr>
-</p:sld>
-</file>
-
-<file path=ppt/slides/slide30.xml><?xml version="1.0" encoding="utf-8"?>
-<p:sld xmlns:a="http://schemas.openxmlformats.org/drawingml/2006/main" xmlns:r="http://schemas.openxmlformats.org/officeDocument/2006/relationships" xmlns:p="http://schemas.openxmlformats.org/presentationml/2006/main">
-  <p:cSld>
-    <p:spTree>
-      <p:nvGrpSpPr>
-        <p:cNvPr id="1" name=""/>
-        <p:cNvGrpSpPr/>
-        <p:nvPr/>
-      </p:nvGrpSpPr>
-      <p:grpSpPr>
-        <a:xfrm>
-          <a:off x="0" y="0"/>
-          <a:ext cx="0" cy="0"/>
-          <a:chOff x="0" y="0"/>
-          <a:chExt cx="0" cy="0"/>
-        </a:xfrm>
-      </p:grpSpPr>
-      <p:sp>
-        <p:nvSpPr>
-          <p:cNvPr id="2" name="Title 1">
-            <a:extLst>
-              <a:ext uri="{FF2B5EF4-FFF2-40B4-BE49-F238E27FC236}">
-                <a16:creationId xmlns:a16="http://schemas.microsoft.com/office/drawing/2014/main" id="{2C94E3B1-9A8C-4491-A9A6-755ACB062CF4}"/>
-              </a:ext>
-            </a:extLst>
-          </p:cNvPr>
-          <p:cNvSpPr>
-            <a:spLocks noGrp="1"/>
-          </p:cNvSpPr>
-          <p:nvPr>
-            <p:ph type="title"/>
-          </p:nvPr>
-        </p:nvSpPr>
-        <p:spPr/>
-        <p:txBody>
-          <a:bodyPr/>
-          <a:lstStyle/>
-          <a:p>
-            <a:r>
-              <a:rPr lang="en-SG" dirty="0"/>
-              <a:t>Data Preparation</a:t>
-            </a:r>
-          </a:p>
-        </p:txBody>
-      </p:sp>
-      <p:sp>
-        <p:nvSpPr>
-          <p:cNvPr id="3" name="Content Placeholder 2">
-            <a:extLst>
-              <a:ext uri="{FF2B5EF4-FFF2-40B4-BE49-F238E27FC236}">
-                <a16:creationId xmlns:a16="http://schemas.microsoft.com/office/drawing/2014/main" id="{D3224137-5A20-45F0-8584-7EABF3EAA354}"/>
-              </a:ext>
-            </a:extLst>
-          </p:cNvPr>
-          <p:cNvSpPr>
-            <a:spLocks noGrp="1"/>
-          </p:cNvSpPr>
-          <p:nvPr>
-            <p:ph idx="1"/>
-          </p:nvPr>
-        </p:nvSpPr>
-        <p:spPr/>
-        <p:txBody>
-          <a:bodyPr/>
-          <a:lstStyle/>
-          <a:p>
-            <a:pPr marL="0" indent="0">
-              <a:buNone/>
-            </a:pPr>
-            <a:r>
-              <a:rPr lang="en-SG" dirty="0"/>
-              <a:t>Collecting band new images can be difficult and </a:t>
-            </a:r>
-            <a:r>
-              <a:rPr lang="en-SG" dirty="0" err="1"/>
-              <a:t>labourous</a:t>
-            </a:r>
-            <a:r>
-              <a:rPr lang="en-SG" dirty="0"/>
-              <a:t>, thus some images from RPS dataset was reused to speed up the process. Because someone was supposed to do it but preferred to go hang out and get drunk and when the data is sent over it isn’t 1:1 ratio</a:t>
-            </a:r>
-          </a:p>
-        </p:txBody>
-      </p:sp>
-    </p:spTree>
-    <p:extLst>
-      <p:ext uri="{BB962C8B-B14F-4D97-AF65-F5344CB8AC3E}">
-        <p14:creationId xmlns:p14="http://schemas.microsoft.com/office/powerpoint/2010/main" val="2520431078"/>
       </p:ext>
     </p:extLst>
   </p:cSld>
